--- a/Bai 11/Device tree.pptx
+++ b/Bai 11/Device tree.pptx
@@ -5,10 +5,10 @@
     <p:sldMasterId id="2147483648" r:id="rId1"/>
   </p:sldMasterIdLst>
   <p:notesMasterIdLst>
-    <p:notesMasterId r:id="rId20"/>
+    <p:notesMasterId r:id="rId22"/>
   </p:notesMasterIdLst>
   <p:handoutMasterIdLst>
-    <p:handoutMasterId r:id="rId21"/>
+    <p:handoutMasterId r:id="rId23"/>
   </p:handoutMasterIdLst>
   <p:sldIdLst>
     <p:sldId id="256" r:id="rId2"/>
@@ -16,19 +16,21 @@
     <p:sldId id="261" r:id="rId4"/>
     <p:sldId id="260" r:id="rId5"/>
     <p:sldId id="262" r:id="rId6"/>
-    <p:sldId id="263" r:id="rId7"/>
-    <p:sldId id="264" r:id="rId8"/>
-    <p:sldId id="265" r:id="rId9"/>
-    <p:sldId id="266" r:id="rId10"/>
-    <p:sldId id="267" r:id="rId11"/>
-    <p:sldId id="268" r:id="rId12"/>
-    <p:sldId id="269" r:id="rId13"/>
-    <p:sldId id="270" r:id="rId14"/>
+    <p:sldId id="264" r:id="rId7"/>
+    <p:sldId id="265" r:id="rId8"/>
+    <p:sldId id="266" r:id="rId9"/>
+    <p:sldId id="267" r:id="rId10"/>
+    <p:sldId id="268" r:id="rId11"/>
+    <p:sldId id="269" r:id="rId12"/>
+    <p:sldId id="270" r:id="rId13"/>
+    <p:sldId id="277" r:id="rId14"/>
     <p:sldId id="271" r:id="rId15"/>
     <p:sldId id="272" r:id="rId16"/>
     <p:sldId id="273" r:id="rId17"/>
-    <p:sldId id="274" r:id="rId18"/>
-    <p:sldId id="258" r:id="rId19"/>
+    <p:sldId id="276" r:id="rId18"/>
+    <p:sldId id="263" r:id="rId19"/>
+    <p:sldId id="274" r:id="rId20"/>
+    <p:sldId id="258" r:id="rId21"/>
   </p:sldIdLst>
   <p:sldSz cx="9144000" cy="5143500" type="screen16x9"/>
   <p:notesSz cx="6858000" cy="9144000"/>
@@ -228,7 +230,7 @@
           <a:p>
             <a:fld id="{9DF6B2F8-E390-BD4F-9ACD-789C35D23CE3}" type="datetimeFigureOut">
               <a:rPr lang="en-US" smtClean="0"/>
-              <a:t>5/2/2020</a:t>
+              <a:t>8/9/2020</a:t>
             </a:fld>
             <a:endParaRPr lang="en-US"/>
           </a:p>
@@ -394,7 +396,7 @@
           <a:p>
             <a:fld id="{79FF8F81-D7B9-424E-B993-6D09B3871A4E}" type="datetimeFigureOut">
               <a:rPr lang="en-US" smtClean="0"/>
-              <a:t>5/2/2020</a:t>
+              <a:t>8/9/2020</a:t>
             </a:fld>
             <a:endParaRPr lang="en-US"/>
           </a:p>
@@ -1292,7 +1294,7 @@
           <a:p>
             <a:fld id="{2B3067B3-3AE6-DD4A-9E3D-C999AB3971A1}" type="slidenum">
               <a:rPr lang="en-US" smtClean="0"/>
-              <a:t>7</a:t>
+              <a:t>6</a:t>
             </a:fld>
             <a:endParaRPr lang="en-US"/>
           </a:p>
@@ -1524,7 +1526,7 @@
           <a:p>
             <a:fld id="{2B3067B3-3AE6-DD4A-9E3D-C999AB3971A1}" type="slidenum">
               <a:rPr lang="en-US" smtClean="0"/>
-              <a:t>10</a:t>
+              <a:t>9</a:t>
             </a:fld>
             <a:endParaRPr lang="en-US"/>
           </a:p>
@@ -1726,7 +1728,7 @@
           <a:p>
             <a:fld id="{2B3067B3-3AE6-DD4A-9E3D-C999AB3971A1}" type="slidenum">
               <a:rPr lang="en-US" smtClean="0"/>
-              <a:t>12</a:t>
+              <a:t>11</a:t>
             </a:fld>
             <a:endParaRPr lang="en-US"/>
           </a:p>
@@ -1810,7 +1812,7 @@
           <a:p>
             <a:fld id="{2B3067B3-3AE6-DD4A-9E3D-C999AB3971A1}" type="slidenum">
               <a:rPr lang="en-US" smtClean="0"/>
-              <a:t>18</a:t>
+              <a:t>20</a:t>
             </a:fld>
             <a:endParaRPr lang="en-US"/>
           </a:p>
@@ -2050,7 +2052,7 @@
           <a:p>
             <a:fld id="{7F3FBE28-58BC-4486-9A8E-6C1F0E326EAB}" type="datetime1">
               <a:rPr lang="en-US" smtClean="0"/>
-              <a:t>5/2/2020</a:t>
+              <a:t>8/9/2020</a:t>
             </a:fld>
             <a:endParaRPr lang="en-US"/>
           </a:p>
@@ -2236,7 +2238,7 @@
           <a:p>
             <a:fld id="{AE5B28C3-1882-4E84-9C82-23BA74B52008}" type="datetime1">
               <a:rPr lang="en-US" smtClean="0"/>
-              <a:t>5/2/2020</a:t>
+              <a:t>8/9/2020</a:t>
             </a:fld>
             <a:endParaRPr lang="en-US"/>
           </a:p>
@@ -2420,7 +2422,7 @@
           <a:p>
             <a:fld id="{945B1917-4DD8-41D3-93A0-974B9DFBBCBF}" type="datetime1">
               <a:rPr lang="en-US" smtClean="0"/>
-              <a:t>5/2/2020</a:t>
+              <a:t>8/9/2020</a:t>
             </a:fld>
             <a:endParaRPr lang="en-US"/>
           </a:p>
@@ -2594,7 +2596,7 @@
           <a:p>
             <a:fld id="{025DB114-CA1C-4405-B4C9-B0D9B62EC79D}" type="datetimeFigureOut">
               <a:rPr lang="en-US" smtClean="0"/>
-              <a:t>5/2/2020</a:t>
+              <a:t>8/9/2020</a:t>
             </a:fld>
             <a:endParaRPr lang="en-US"/>
           </a:p>
@@ -2809,7 +2811,7 @@
           <a:p>
             <a:fld id="{403BB6E5-7AA4-4C0D-BF97-BDC69083DBC9}" type="datetime1">
               <a:rPr lang="en-US" smtClean="0"/>
-              <a:t>5/2/2020</a:t>
+              <a:t>8/9/2020</a:t>
             </a:fld>
             <a:endParaRPr lang="en-US"/>
           </a:p>
@@ -3066,7 +3068,7 @@
           <a:p>
             <a:fld id="{5E5BBB4B-2F94-4F11-9AD4-28D0EBD25231}" type="datetime1">
               <a:rPr lang="en-US" smtClean="0"/>
-              <a:t>5/2/2020</a:t>
+              <a:t>8/9/2020</a:t>
             </a:fld>
             <a:endParaRPr lang="en-US"/>
           </a:p>
@@ -3365,7 +3367,7 @@
           <a:p>
             <a:fld id="{B79A5478-161F-4B28-93E5-DE9BF6B2D5E2}" type="datetime1">
               <a:rPr lang="en-US" smtClean="0"/>
-              <a:t>5/2/2020</a:t>
+              <a:t>8/9/2020</a:t>
             </a:fld>
             <a:endParaRPr lang="en-US"/>
           </a:p>
@@ -3803,7 +3805,7 @@
           <a:p>
             <a:fld id="{30E38055-F1C9-4AC4-B9E3-476EF82AD4CC}" type="datetime1">
               <a:rPr lang="en-US" smtClean="0"/>
-              <a:t>5/2/2020</a:t>
+              <a:t>8/9/2020</a:t>
             </a:fld>
             <a:endParaRPr lang="en-US"/>
           </a:p>
@@ -3932,7 +3934,7 @@
           <a:p>
             <a:fld id="{39D9E8B6-A1D4-4191-8D54-A8260B6A1972}" type="datetime1">
               <a:rPr lang="en-US" smtClean="0"/>
-              <a:t>5/2/2020</a:t>
+              <a:t>8/9/2020</a:t>
             </a:fld>
             <a:endParaRPr lang="en-US"/>
           </a:p>
@@ -4038,7 +4040,7 @@
           <a:p>
             <a:fld id="{924C1980-AF69-46D2-A9FE-14E6E6C939BE}" type="datetime1">
               <a:rPr lang="en-US" smtClean="0"/>
-              <a:t>5/2/2020</a:t>
+              <a:t>8/9/2020</a:t>
             </a:fld>
             <a:endParaRPr lang="en-US"/>
           </a:p>
@@ -4309,7 +4311,7 @@
           <a:p>
             <a:fld id="{AAA33C03-0194-466F-B287-AA772F5566B9}" type="datetime1">
               <a:rPr lang="en-US" smtClean="0"/>
-              <a:t>5/2/2020</a:t>
+              <a:t>8/9/2020</a:t>
             </a:fld>
             <a:endParaRPr lang="en-US"/>
           </a:p>
@@ -4575,7 +4577,7 @@
           <a:p>
             <a:fld id="{D31FF56F-D32E-44F3-A5D6-9F4533FAF9BD}" type="datetime1">
               <a:rPr lang="en-US" smtClean="0"/>
-              <a:t>5/2/2020</a:t>
+              <a:t>8/9/2020</a:t>
             </a:fld>
             <a:endParaRPr lang="en-US"/>
           </a:p>
@@ -4822,7 +4824,7 @@
           <a:p>
             <a:fld id="{0289C729-EC9D-4075-8A00-DCB3B3221814}" type="datetime1">
               <a:rPr lang="en-US" smtClean="0"/>
-              <a:t>5/2/2020</a:t>
+              <a:t>8/9/2020</a:t>
             </a:fld>
             <a:endParaRPr lang="en-US"/>
           </a:p>
@@ -5409,7 +5411,7 @@
           <a:lstStyle/>
           <a:p>
             <a:r>
-              <a:rPr lang="en-US" dirty="0" smtClean="0"/>
+              <a:rPr lang="en-US" dirty="0"/>
               <a:t>Các </a:t>
             </a:r>
             <a:r>
@@ -5430,60 +5432,15 @@
             </a:r>
             <a:r>
               <a:rPr lang="en-US" dirty="0" err="1"/>
-              <a:t>chuẩn</a:t>
-            </a:r>
-            <a:endParaRPr lang="en-US" dirty="0"/>
-          </a:p>
-        </p:txBody>
-      </p:sp>
-      <p:sp>
-        <p:nvSpPr>
-          <p:cNvPr id="3" name="Content Placeholder 2"/>
-          <p:cNvSpPr>
-            <a:spLocks noGrp="1"/>
-          </p:cNvSpPr>
-          <p:nvPr>
-            <p:ph idx="1"/>
-          </p:nvPr>
-        </p:nvSpPr>
-        <p:spPr/>
-        <p:txBody>
-          <a:bodyPr/>
-          <a:lstStyle/>
-          <a:p>
+              <a:t>tự</a:t>
+            </a:r>
+            <a:r>
+              <a:rPr lang="en-US" dirty="0"/>
+              <a:t> </a:t>
+            </a:r>
             <a:r>
               <a:rPr lang="en-US" dirty="0" err="1"/>
-              <a:t>Định</a:t>
-            </a:r>
-            <a:r>
-              <a:rPr lang="en-US" dirty="0"/>
-              <a:t> </a:t>
-            </a:r>
-            <a:r>
-              <a:rPr lang="en-US" dirty="0" err="1"/>
-              <a:t>địa</a:t>
-            </a:r>
-            <a:r>
-              <a:rPr lang="en-US" dirty="0"/>
-              <a:t> </a:t>
-            </a:r>
-            <a:r>
-              <a:rPr lang="en-US" dirty="0" err="1"/>
-              <a:t>chỉ</a:t>
-            </a:r>
-            <a:r>
-              <a:rPr lang="en-US" dirty="0"/>
-              <a:t> </a:t>
-            </a:r>
-            <a:r>
-              <a:rPr lang="en-US" dirty="0" smtClean="0"/>
-              <a:t>bus</a:t>
-            </a:r>
-          </a:p>
-          <a:p>
-            <a:r>
-              <a:rPr lang="en-US" dirty="0" err="1"/>
-              <a:t>Định</a:t>
+              <a:t>định</a:t>
             </a:r>
             <a:r>
               <a:rPr lang="en-US" dirty="0"/>
@@ -5493,42 +5450,134 @@
               <a:rPr lang="en-US" dirty="0" err="1"/>
               <a:t>nghĩa</a:t>
             </a:r>
+            <a:endParaRPr lang="en-US" dirty="0"/>
+          </a:p>
+        </p:txBody>
+      </p:sp>
+      <p:sp>
+        <p:nvSpPr>
+          <p:cNvPr id="3" name="Content Placeholder 2"/>
+          <p:cNvSpPr>
+            <a:spLocks noGrp="1"/>
+          </p:cNvSpPr>
+          <p:nvPr>
+            <p:ph idx="1"/>
+          </p:nvPr>
+        </p:nvSpPr>
+        <p:spPr/>
+        <p:txBody>
+          <a:bodyPr/>
+          <a:lstStyle/>
+          <a:p>
+            <a:r>
+              <a:rPr lang="vi-VN" dirty="0"/>
+              <a:t>Được get ra bởi các hàm parser array, </a:t>
+            </a:r>
+            <a:r>
+              <a:rPr lang="vi-VN" dirty="0" smtClean="0"/>
+              <a:t>value</a:t>
+            </a:r>
+            <a:endParaRPr lang="en-US" dirty="0" smtClean="0"/>
+          </a:p>
+          <a:p>
+            <a:pPr lvl="1"/>
             <a:r>
               <a:rPr lang="en-US" dirty="0"/>
-              <a:t> </a:t>
-            </a:r>
-            <a:r>
-              <a:rPr lang="en-US" dirty="0" err="1" smtClean="0"/>
-              <a:t>ngắt</a:t>
+              <a:t>one-int-property = &lt;197&gt;; int-list-property = &lt;1350000 0x54dae47 1250000 1200000</a:t>
+            </a:r>
+            <a:r>
+              <a:rPr lang="en-US" dirty="0" smtClean="0"/>
+              <a:t>&gt;;</a:t>
+            </a:r>
+          </a:p>
+          <a:p>
+            <a:pPr lvl="1"/>
+            <a:r>
+              <a:rPr lang="en-US" dirty="0"/>
+              <a:t>int of_property_read_u32_array(const </a:t>
+            </a:r>
+            <a:r>
+              <a:rPr lang="en-US" dirty="0" err="1"/>
+              <a:t>struct</a:t>
+            </a:r>
+            <a:r>
+              <a:rPr lang="en-US" dirty="0"/>
+              <a:t> </a:t>
+            </a:r>
+            <a:r>
+              <a:rPr lang="en-US" dirty="0" err="1"/>
+              <a:t>device_node</a:t>
+            </a:r>
+            <a:r>
+              <a:rPr lang="en-US" dirty="0"/>
+              <a:t> *np, const char *</a:t>
+            </a:r>
+            <a:r>
+              <a:rPr lang="en-US" dirty="0" err="1"/>
+              <a:t>propname</a:t>
+            </a:r>
+            <a:r>
+              <a:rPr lang="en-US" dirty="0"/>
+              <a:t>, u32 *</a:t>
+            </a:r>
+            <a:r>
+              <a:rPr lang="en-US" dirty="0" err="1"/>
+              <a:t>out_values</a:t>
+            </a:r>
+            <a:r>
+              <a:rPr lang="en-US" dirty="0"/>
+              <a:t>, </a:t>
+            </a:r>
+            <a:r>
+              <a:rPr lang="en-US" dirty="0" err="1"/>
+              <a:t>size_tsz</a:t>
+            </a:r>
+            <a:r>
+              <a:rPr lang="en-US" dirty="0"/>
+              <a:t>);</a:t>
             </a:r>
             <a:endParaRPr lang="en-US" dirty="0" smtClean="0"/>
           </a:p>
           <a:p>
             <a:r>
               <a:rPr lang="en-US" dirty="0"/>
-              <a:t>https://</a:t>
-            </a:r>
-            <a:r>
-              <a:rPr lang="en-US" dirty="0" smtClean="0"/>
-              <a:t>events.static.linuxfound.org/sites/events/files/slides/petazzoni-device-tree-dummies.pdf</a:t>
-            </a:r>
-          </a:p>
-          <a:p>
+              <a:t>Driver </a:t>
+            </a:r>
+            <a:r>
+              <a:rPr lang="en-US" dirty="0" err="1"/>
+              <a:t>phải</a:t>
+            </a:r>
             <a:r>
               <a:rPr lang="en-US" dirty="0"/>
-              <a:t>/include/</a:t>
+              <a:t> </a:t>
             </a:r>
             <a:r>
               <a:rPr lang="en-US" dirty="0" err="1"/>
-              <a:t>linux</a:t>
+              <a:t>tự</a:t>
             </a:r>
             <a:r>
               <a:rPr lang="en-US" dirty="0"/>
-              <a:t>/</a:t>
+              <a:t> </a:t>
             </a:r>
             <a:r>
               <a:rPr lang="en-US" dirty="0" err="1"/>
-              <a:t>of.h</a:t>
+              <a:t>xử</a:t>
+            </a:r>
+            <a:r>
+              <a:rPr lang="en-US" dirty="0"/>
+              <a:t> </a:t>
+            </a:r>
+            <a:r>
+              <a:rPr lang="en-US" dirty="0" err="1"/>
+              <a:t>lý</a:t>
+            </a:r>
+            <a:r>
+              <a:rPr lang="en-US" dirty="0"/>
+              <a:t> thông tin từ dữ liệu </a:t>
+            </a:r>
+            <a:r>
+              <a:rPr lang="en-US" dirty="0" err="1"/>
+              <a:t>thô</a:t>
             </a:r>
             <a:endParaRPr lang="en-US" dirty="0"/>
           </a:p>
@@ -5583,7 +5632,7 @@
     </p:spTree>
     <p:extLst>
       <p:ext uri="{BB962C8B-B14F-4D97-AF65-F5344CB8AC3E}">
-        <p14:creationId xmlns:p14="http://schemas.microsoft.com/office/powerpoint/2010/main" val="3126013555"/>
+        <p14:creationId xmlns:p14="http://schemas.microsoft.com/office/powerpoint/2010/main" val="4201431862"/>
       </p:ext>
     </p:extLst>
   </p:cSld>
@@ -5626,173 +5675,98 @@
           <a:lstStyle/>
           <a:p>
             <a:r>
+              <a:rPr lang="en-US" sz="3200" dirty="0"/>
+              <a:t>Các </a:t>
+            </a:r>
+            <a:r>
+              <a:rPr lang="en-US" sz="3200" dirty="0" err="1"/>
+              <a:t>cú</a:t>
+            </a:r>
+            <a:r>
+              <a:rPr lang="en-US" sz="3200" dirty="0"/>
+              <a:t> </a:t>
+            </a:r>
+            <a:r>
+              <a:rPr lang="en-US" sz="3200" dirty="0" err="1"/>
+              <a:t>pháp</a:t>
+            </a:r>
+            <a:r>
+              <a:rPr lang="en-US" sz="3200" dirty="0"/>
+              <a:t> </a:t>
+            </a:r>
+            <a:r>
+              <a:rPr lang="en-US" sz="3200" dirty="0" err="1"/>
+              <a:t>hỗ</a:t>
+            </a:r>
+            <a:r>
+              <a:rPr lang="en-US" sz="3200" dirty="0"/>
+              <a:t> </a:t>
+            </a:r>
+            <a:r>
+              <a:rPr lang="en-US" sz="3200" dirty="0" err="1"/>
+              <a:t>trợ</a:t>
+            </a:r>
+            <a:r>
+              <a:rPr lang="en-US" sz="3200" dirty="0"/>
+              <a:t> </a:t>
+            </a:r>
+            <a:r>
+              <a:rPr lang="en-US" sz="3200" dirty="0" err="1"/>
+              <a:t>bởi</a:t>
+            </a:r>
+            <a:r>
+              <a:rPr lang="en-US" sz="3200" dirty="0"/>
+              <a:t> driver code</a:t>
+            </a:r>
+          </a:p>
+        </p:txBody>
+      </p:sp>
+      <p:sp>
+        <p:nvSpPr>
+          <p:cNvPr id="3" name="Content Placeholder 2"/>
+          <p:cNvSpPr>
+            <a:spLocks noGrp="1"/>
+          </p:cNvSpPr>
+          <p:nvPr>
+            <p:ph idx="1"/>
+          </p:nvPr>
+        </p:nvSpPr>
+        <p:spPr/>
+        <p:txBody>
+          <a:bodyPr/>
+          <a:lstStyle/>
+          <a:p>
+            <a:r>
+              <a:rPr lang="da-DK" dirty="0"/>
+              <a:t>Các hàm parser data nằm phân tán ở driver </a:t>
+            </a:r>
+            <a:r>
+              <a:rPr lang="da-DK" dirty="0" smtClean="0"/>
+              <a:t>core</a:t>
+            </a:r>
+          </a:p>
+          <a:p>
+            <a:r>
               <a:rPr lang="en-US" dirty="0"/>
-              <a:t>Các </a:t>
-            </a:r>
-            <a:r>
-              <a:rPr lang="en-US" dirty="0" err="1"/>
-              <a:t>cú</a:t>
-            </a:r>
-            <a:r>
-              <a:rPr lang="en-US" dirty="0"/>
-              <a:t> </a:t>
-            </a:r>
-            <a:r>
-              <a:rPr lang="en-US" dirty="0" err="1"/>
-              <a:t>pháp</a:t>
-            </a:r>
-            <a:r>
-              <a:rPr lang="en-US" dirty="0"/>
-              <a:t> </a:t>
-            </a:r>
-            <a:r>
-              <a:rPr lang="en-US" dirty="0" err="1"/>
-              <a:t>tự</a:t>
-            </a:r>
-            <a:r>
-              <a:rPr lang="en-US" dirty="0"/>
-              <a:t> </a:t>
-            </a:r>
-            <a:r>
-              <a:rPr lang="en-US" dirty="0" err="1"/>
-              <a:t>định</a:t>
-            </a:r>
-            <a:r>
-              <a:rPr lang="en-US" dirty="0"/>
-              <a:t> </a:t>
-            </a:r>
-            <a:r>
-              <a:rPr lang="en-US" dirty="0" err="1"/>
-              <a:t>nghĩa</a:t>
-            </a:r>
-            <a:endParaRPr lang="en-US" dirty="0"/>
-          </a:p>
-        </p:txBody>
-      </p:sp>
-      <p:sp>
-        <p:nvSpPr>
-          <p:cNvPr id="3" name="Content Placeholder 2"/>
-          <p:cNvSpPr>
-            <a:spLocks noGrp="1"/>
-          </p:cNvSpPr>
-          <p:nvPr>
-            <p:ph idx="1"/>
-          </p:nvPr>
-        </p:nvSpPr>
-        <p:spPr/>
-        <p:txBody>
-          <a:bodyPr/>
-          <a:lstStyle/>
-          <a:p>
-            <a:r>
-              <a:rPr lang="vi-VN" dirty="0"/>
-              <a:t>Được get ra bởi các hàm parser array, </a:t>
-            </a:r>
-            <a:r>
-              <a:rPr lang="vi-VN" dirty="0" smtClean="0"/>
-              <a:t>value</a:t>
-            </a:r>
-            <a:endParaRPr lang="en-US" dirty="0" smtClean="0"/>
-          </a:p>
-          <a:p>
-            <a:pPr lvl="1"/>
-            <a:r>
-              <a:rPr lang="en-US" dirty="0"/>
-              <a:t>one-int-property = &lt;197&gt;; int-list-property = &lt;1350000 0x54dae47 1250000 1200000</a:t>
-            </a:r>
-            <a:r>
-              <a:rPr lang="en-US" dirty="0" smtClean="0"/>
-              <a:t>&gt;;</a:t>
-            </a:r>
-          </a:p>
-          <a:p>
-            <a:pPr lvl="1"/>
-            <a:r>
-              <a:rPr lang="en-US" dirty="0"/>
-              <a:t>int of_property_read_u32_array(const </a:t>
-            </a:r>
-            <a:r>
-              <a:rPr lang="en-US" dirty="0" err="1"/>
-              <a:t>struct</a:t>
-            </a:r>
-            <a:r>
-              <a:rPr lang="en-US" dirty="0"/>
-              <a:t> </a:t>
-            </a:r>
-            <a:r>
-              <a:rPr lang="en-US" dirty="0" err="1"/>
-              <a:t>device_node</a:t>
-            </a:r>
-            <a:r>
-              <a:rPr lang="en-US" dirty="0"/>
-              <a:t> *np, const char *</a:t>
-            </a:r>
-            <a:r>
-              <a:rPr lang="en-US" dirty="0" err="1"/>
-              <a:t>propname</a:t>
-            </a:r>
-            <a:r>
-              <a:rPr lang="en-US" dirty="0"/>
-              <a:t>, u32 *</a:t>
-            </a:r>
-            <a:r>
-              <a:rPr lang="en-US" dirty="0" err="1"/>
-              <a:t>out_values</a:t>
-            </a:r>
-            <a:r>
-              <a:rPr lang="en-US" dirty="0"/>
-              <a:t>, </a:t>
-            </a:r>
-            <a:r>
-              <a:rPr lang="en-US" dirty="0" err="1"/>
-              <a:t>size_tsz</a:t>
-            </a:r>
-            <a:r>
-              <a:rPr lang="en-US" dirty="0"/>
-              <a:t>);</a:t>
-            </a:r>
-            <a:endParaRPr lang="en-US" dirty="0" smtClean="0"/>
-          </a:p>
-          <a:p>
-            <a:r>
-              <a:rPr lang="en-US" dirty="0"/>
-              <a:t>Driver </a:t>
-            </a:r>
-            <a:r>
-              <a:rPr lang="en-US" dirty="0" err="1"/>
-              <a:t>phải</a:t>
-            </a:r>
-            <a:r>
-              <a:rPr lang="en-US" dirty="0"/>
-              <a:t> </a:t>
-            </a:r>
-            <a:r>
-              <a:rPr lang="en-US" dirty="0" err="1"/>
-              <a:t>tự</a:t>
-            </a:r>
-            <a:r>
-              <a:rPr lang="en-US" dirty="0"/>
-              <a:t> </a:t>
-            </a:r>
-            <a:r>
-              <a:rPr lang="en-US" dirty="0" err="1"/>
-              <a:t>xử</a:t>
-            </a:r>
-            <a:r>
-              <a:rPr lang="en-US" dirty="0"/>
-              <a:t> </a:t>
-            </a:r>
-            <a:r>
-              <a:rPr lang="en-US" dirty="0" err="1"/>
-              <a:t>lý</a:t>
-            </a:r>
-            <a:r>
-              <a:rPr lang="en-US" dirty="0"/>
-              <a:t> thông tin từ dữ liệu </a:t>
-            </a:r>
-            <a:r>
-              <a:rPr lang="en-US" dirty="0" err="1"/>
-              <a:t>thô</a:t>
+              <a:t>Tìm hiểu qua /</a:t>
+            </a:r>
+            <a:r>
+              <a:rPr lang="en-US" dirty="0" smtClean="0"/>
+              <a:t>Documentation/</a:t>
+            </a:r>
+            <a:r>
+              <a:rPr lang="en-US" dirty="0" err="1" smtClean="0"/>
+              <a:t>devicetree</a:t>
+            </a:r>
+            <a:r>
+              <a:rPr lang="en-US" dirty="0" smtClean="0"/>
+              <a:t>/bindings</a:t>
+            </a:r>
+          </a:p>
+          <a:p>
+            <a:r>
+              <a:rPr lang="en-US" dirty="0" smtClean="0"/>
+              <a:t>Example</a:t>
             </a:r>
             <a:endParaRPr lang="en-US" dirty="0"/>
           </a:p>
@@ -5847,7 +5821,7 @@
     </p:spTree>
     <p:extLst>
       <p:ext uri="{BB962C8B-B14F-4D97-AF65-F5344CB8AC3E}">
-        <p14:creationId xmlns:p14="http://schemas.microsoft.com/office/powerpoint/2010/main" val="4201431862"/>
+        <p14:creationId xmlns:p14="http://schemas.microsoft.com/office/powerpoint/2010/main" val="667760591"/>
       </p:ext>
     </p:extLst>
   </p:cSld>
@@ -5890,100 +5864,42 @@
           <a:lstStyle/>
           <a:p>
             <a:r>
-              <a:rPr lang="en-US" sz="3200" dirty="0"/>
-              <a:t>Các </a:t>
-            </a:r>
-            <a:r>
-              <a:rPr lang="en-US" sz="3200" dirty="0" err="1"/>
-              <a:t>cú</a:t>
-            </a:r>
-            <a:r>
-              <a:rPr lang="en-US" sz="3200" dirty="0"/>
-              <a:t> </a:t>
-            </a:r>
-            <a:r>
-              <a:rPr lang="en-US" sz="3200" dirty="0" err="1"/>
-              <a:t>pháp</a:t>
-            </a:r>
-            <a:r>
-              <a:rPr lang="en-US" sz="3200" dirty="0"/>
-              <a:t> </a:t>
-            </a:r>
-            <a:r>
-              <a:rPr lang="en-US" sz="3200" dirty="0" err="1"/>
-              <a:t>hỗ</a:t>
-            </a:r>
-            <a:r>
-              <a:rPr lang="en-US" sz="3200" dirty="0"/>
-              <a:t> </a:t>
-            </a:r>
-            <a:r>
-              <a:rPr lang="en-US" sz="3200" dirty="0" err="1"/>
-              <a:t>trợ</a:t>
-            </a:r>
-            <a:r>
-              <a:rPr lang="en-US" sz="3200" dirty="0"/>
-              <a:t> </a:t>
-            </a:r>
-            <a:r>
-              <a:rPr lang="en-US" sz="3200" dirty="0" err="1"/>
-              <a:t>bởi</a:t>
-            </a:r>
-            <a:r>
-              <a:rPr lang="en-US" sz="3200" dirty="0"/>
-              <a:t> driver code</a:t>
-            </a:r>
-          </a:p>
-        </p:txBody>
-      </p:sp>
-      <p:sp>
-        <p:nvSpPr>
-          <p:cNvPr id="3" name="Content Placeholder 2"/>
-          <p:cNvSpPr>
-            <a:spLocks noGrp="1"/>
-          </p:cNvSpPr>
-          <p:nvPr>
-            <p:ph idx="1"/>
-          </p:nvPr>
-        </p:nvSpPr>
-        <p:spPr/>
-        <p:txBody>
-          <a:bodyPr/>
-          <a:lstStyle/>
-          <a:p>
-            <a:r>
-              <a:rPr lang="da-DK" dirty="0"/>
-              <a:t>Các hàm parser data nằm phân tán ở driver </a:t>
-            </a:r>
-            <a:r>
-              <a:rPr lang="da-DK" dirty="0" smtClean="0"/>
-              <a:t>core</a:t>
-            </a:r>
-          </a:p>
-          <a:p>
-            <a:r>
-              <a:rPr lang="en-US" dirty="0"/>
-              <a:t>Tìm hiểu qua /</a:t>
-            </a:r>
-            <a:r>
-              <a:rPr lang="en-US" dirty="0" smtClean="0"/>
-              <a:t>Documentation/</a:t>
-            </a:r>
-            <a:r>
-              <a:rPr lang="en-US" dirty="0" err="1" smtClean="0"/>
-              <a:t>devicetree</a:t>
-            </a:r>
-            <a:r>
-              <a:rPr lang="en-US" dirty="0" smtClean="0"/>
-              <a:t>/bindings</a:t>
-            </a:r>
-          </a:p>
-          <a:p>
-            <a:r>
-              <a:rPr lang="en-US" dirty="0" smtClean="0"/>
-              <a:t>Example</a:t>
-            </a:r>
-            <a:endParaRPr lang="en-US" dirty="0"/>
+              <a:rPr lang="en-US" sz="2000" dirty="0" err="1"/>
+              <a:t>Kết</a:t>
+            </a:r>
+            <a:r>
+              <a:rPr lang="en-US" sz="2000" dirty="0"/>
+              <a:t> </a:t>
+            </a:r>
+            <a:r>
+              <a:rPr lang="en-US" sz="2000" dirty="0" err="1"/>
+              <a:t>hợp</a:t>
+            </a:r>
+            <a:r>
+              <a:rPr lang="en-US" sz="2000" dirty="0"/>
+              <a:t> </a:t>
+            </a:r>
+            <a:r>
+              <a:rPr lang="en-US" sz="2000" dirty="0" err="1"/>
+              <a:t>giữa</a:t>
+            </a:r>
+            <a:r>
+              <a:rPr lang="en-US" sz="2000" dirty="0"/>
+              <a:t> device tree và code C để define </a:t>
+            </a:r>
+            <a:r>
+              <a:rPr lang="en-US" sz="2000" dirty="0" err="1"/>
+              <a:t>phần</a:t>
+            </a:r>
+            <a:r>
+              <a:rPr lang="en-US" sz="2000" dirty="0"/>
+              <a:t> </a:t>
+            </a:r>
+            <a:r>
+              <a:rPr lang="en-US" sz="2000" dirty="0" err="1"/>
+              <a:t>cứng</a:t>
+            </a:r>
+            <a:endParaRPr lang="en-US" sz="2000" dirty="0"/>
           </a:p>
         </p:txBody>
       </p:sp>
@@ -6033,10 +5949,250 @@
           </a:p>
         </p:txBody>
       </p:sp>
+      <p:sp>
+        <p:nvSpPr>
+          <p:cNvPr id="3" name="Content Placeholder 2"/>
+          <p:cNvSpPr>
+            <a:spLocks noGrp="1"/>
+          </p:cNvSpPr>
+          <p:nvPr>
+            <p:ph idx="1"/>
+          </p:nvPr>
+        </p:nvSpPr>
+        <p:spPr/>
+        <p:txBody>
+          <a:bodyPr/>
+          <a:lstStyle/>
+          <a:p>
+            <a:r>
+              <a:rPr lang="en-US" dirty="0" smtClean="0"/>
+              <a:t>1 driver </a:t>
+            </a:r>
+            <a:r>
+              <a:rPr lang="en-US" dirty="0" err="1" smtClean="0"/>
+              <a:t>điều</a:t>
+            </a:r>
+            <a:r>
+              <a:rPr lang="en-US" dirty="0" smtClean="0"/>
+              <a:t> </a:t>
+            </a:r>
+            <a:r>
+              <a:rPr lang="en-US" dirty="0" err="1" smtClean="0"/>
+              <a:t>khiển</a:t>
+            </a:r>
+            <a:r>
+              <a:rPr lang="en-US" dirty="0" smtClean="0"/>
+              <a:t> </a:t>
+            </a:r>
+            <a:r>
+              <a:rPr lang="en-US" dirty="0" err="1" smtClean="0"/>
+              <a:t>nhiều</a:t>
+            </a:r>
+            <a:r>
+              <a:rPr lang="en-US" dirty="0" smtClean="0"/>
+              <a:t> device </a:t>
+            </a:r>
+            <a:r>
+              <a:rPr lang="en-US" dirty="0" err="1" smtClean="0"/>
+              <a:t>gần</a:t>
+            </a:r>
+            <a:r>
+              <a:rPr lang="en-US" dirty="0" smtClean="0"/>
+              <a:t> </a:t>
+            </a:r>
+            <a:r>
+              <a:rPr lang="en-US" dirty="0" err="1" smtClean="0"/>
+              <a:t>giống</a:t>
+            </a:r>
+            <a:r>
+              <a:rPr lang="en-US" dirty="0" smtClean="0"/>
+              <a:t> </a:t>
+            </a:r>
+            <a:r>
+              <a:rPr lang="en-US" dirty="0" err="1" smtClean="0"/>
+              <a:t>nhau</a:t>
+            </a:r>
+            <a:r>
+              <a:rPr lang="en-US" dirty="0" smtClean="0"/>
+              <a:t> </a:t>
+            </a:r>
+            <a:r>
+              <a:rPr lang="en-US" dirty="0" err="1" smtClean="0"/>
+              <a:t>về</a:t>
+            </a:r>
+            <a:r>
+              <a:rPr lang="en-US" dirty="0" smtClean="0"/>
+              <a:t> hardware </a:t>
+            </a:r>
+            <a:r>
+              <a:rPr lang="en-US" dirty="0" err="1" smtClean="0"/>
+              <a:t>nhưng</a:t>
+            </a:r>
+            <a:r>
+              <a:rPr lang="en-US" dirty="0" smtClean="0"/>
+              <a:t> </a:t>
+            </a:r>
+            <a:r>
+              <a:rPr lang="en-US" dirty="0" err="1" smtClean="0"/>
+              <a:t>có</a:t>
+            </a:r>
+            <a:r>
+              <a:rPr lang="en-US" dirty="0" smtClean="0"/>
+              <a:t> </a:t>
+            </a:r>
+            <a:r>
+              <a:rPr lang="en-US" dirty="0" err="1" smtClean="0"/>
+              <a:t>chức</a:t>
+            </a:r>
+            <a:r>
+              <a:rPr lang="en-US" dirty="0" smtClean="0"/>
+              <a:t> </a:t>
+            </a:r>
+            <a:r>
+              <a:rPr lang="en-US" dirty="0" err="1" smtClean="0"/>
+              <a:t>năng</a:t>
+            </a:r>
+            <a:r>
+              <a:rPr lang="en-US" dirty="0" smtClean="0"/>
+              <a:t> </a:t>
+            </a:r>
+            <a:r>
+              <a:rPr lang="en-US" dirty="0" err="1" smtClean="0"/>
+              <a:t>khác</a:t>
+            </a:r>
+            <a:r>
+              <a:rPr lang="en-US" dirty="0" smtClean="0"/>
+              <a:t> </a:t>
+            </a:r>
+            <a:r>
+              <a:rPr lang="en-US" dirty="0" err="1" smtClean="0"/>
+              <a:t>nhau</a:t>
+            </a:r>
+            <a:r>
+              <a:rPr lang="en-US" dirty="0" smtClean="0"/>
+              <a:t>. </a:t>
+            </a:r>
+            <a:r>
+              <a:rPr lang="en-US" dirty="0" err="1" smtClean="0"/>
+              <a:t>Ví</a:t>
+            </a:r>
+            <a:r>
+              <a:rPr lang="en-US" dirty="0" smtClean="0"/>
+              <a:t> </a:t>
+            </a:r>
+            <a:r>
+              <a:rPr lang="en-US" dirty="0" err="1" smtClean="0"/>
+              <a:t>dụ</a:t>
+            </a:r>
+            <a:r>
+              <a:rPr lang="en-US" dirty="0" smtClean="0"/>
+              <a:t> </a:t>
+            </a:r>
+            <a:r>
+              <a:rPr lang="en-US" dirty="0" err="1" smtClean="0"/>
+              <a:t>như</a:t>
+            </a:r>
+            <a:r>
+              <a:rPr lang="en-US" dirty="0" smtClean="0"/>
+              <a:t>:</a:t>
+            </a:r>
+          </a:p>
+          <a:p>
+            <a:pPr lvl="1"/>
+            <a:r>
+              <a:rPr lang="en-US" dirty="0" smtClean="0"/>
+              <a:t>2 </a:t>
+            </a:r>
+            <a:r>
+              <a:rPr lang="en-US" dirty="0" err="1" smtClean="0"/>
+              <a:t>đèn</a:t>
+            </a:r>
+            <a:r>
+              <a:rPr lang="en-US" dirty="0" smtClean="0"/>
+              <a:t> led </a:t>
+            </a:r>
+            <a:r>
+              <a:rPr lang="en-US" dirty="0" err="1" smtClean="0"/>
+              <a:t>có</a:t>
+            </a:r>
+            <a:r>
+              <a:rPr lang="en-US" dirty="0" smtClean="0"/>
+              <a:t> </a:t>
+            </a:r>
+            <a:r>
+              <a:rPr lang="en-US" dirty="0" err="1" smtClean="0"/>
+              <a:t>tần</a:t>
+            </a:r>
+            <a:r>
+              <a:rPr lang="en-US" dirty="0" smtClean="0"/>
+              <a:t> </a:t>
+            </a:r>
+            <a:r>
+              <a:rPr lang="en-US" dirty="0" err="1" smtClean="0"/>
+              <a:t>số</a:t>
+            </a:r>
+            <a:r>
+              <a:rPr lang="en-US" dirty="0" smtClean="0"/>
+              <a:t> </a:t>
+            </a:r>
+            <a:r>
+              <a:rPr lang="en-US" dirty="0" err="1" smtClean="0"/>
+              <a:t>nhấp</a:t>
+            </a:r>
+            <a:r>
+              <a:rPr lang="en-US" dirty="0" smtClean="0"/>
+              <a:t> </a:t>
+            </a:r>
+            <a:r>
+              <a:rPr lang="en-US" dirty="0" err="1" smtClean="0"/>
+              <a:t>nháy</a:t>
+            </a:r>
+            <a:r>
+              <a:rPr lang="en-US" dirty="0" smtClean="0"/>
+              <a:t> </a:t>
+            </a:r>
+            <a:r>
+              <a:rPr lang="en-US" dirty="0" err="1" smtClean="0"/>
+              <a:t>khác</a:t>
+            </a:r>
+            <a:r>
+              <a:rPr lang="en-US" dirty="0" smtClean="0"/>
+              <a:t> </a:t>
+            </a:r>
+            <a:r>
+              <a:rPr lang="en-US" dirty="0" err="1" smtClean="0"/>
+              <a:t>nhau</a:t>
+            </a:r>
+            <a:r>
+              <a:rPr lang="en-US" dirty="0" smtClean="0"/>
+              <a:t>.</a:t>
+            </a:r>
+          </a:p>
+          <a:p>
+            <a:pPr lvl="1"/>
+            <a:r>
+              <a:rPr lang="en-US" dirty="0" smtClean="0"/>
+              <a:t>Port Ethernet support </a:t>
+            </a:r>
+            <a:r>
+              <a:rPr lang="en-US" dirty="0" err="1" smtClean="0"/>
+              <a:t>các</a:t>
+            </a:r>
+            <a:r>
+              <a:rPr lang="en-US" smtClean="0"/>
+              <a:t> mode 10M, 100M, 1G.</a:t>
+            </a:r>
+            <a:endParaRPr lang="en-US" dirty="0" smtClean="0"/>
+          </a:p>
+          <a:p>
+            <a:endParaRPr lang="en-US" dirty="0"/>
+          </a:p>
+        </p:txBody>
+      </p:sp>
     </p:spTree>
     <p:extLst>
       <p:ext uri="{BB962C8B-B14F-4D97-AF65-F5344CB8AC3E}">
-        <p14:creationId xmlns:p14="http://schemas.microsoft.com/office/powerpoint/2010/main" val="667760591"/>
+        <p14:creationId xmlns:p14="http://schemas.microsoft.com/office/powerpoint/2010/main" val="404352912"/>
       </p:ext>
     </p:extLst>
   </p:cSld>
@@ -6118,15 +6274,148 @@
           </a:p>
         </p:txBody>
       </p:sp>
+      <p:sp>
+        <p:nvSpPr>
+          <p:cNvPr id="4" name="Footer Placeholder 3"/>
+          <p:cNvSpPr>
+            <a:spLocks noGrp="1"/>
+          </p:cNvSpPr>
+          <p:nvPr>
+            <p:ph type="ftr" sz="quarter" idx="11"/>
+          </p:nvPr>
+        </p:nvSpPr>
+        <p:spPr/>
+        <p:txBody>
+          <a:bodyPr/>
+          <a:lstStyle/>
+          <a:p>
+            <a:r>
+              <a:rPr lang="en-US" smtClean="0"/>
+              <a:t>©FPT SOFTWARE - Corporate Training Center - Internal Use</a:t>
+            </a:r>
+            <a:endParaRPr lang="en-US"/>
+          </a:p>
+        </p:txBody>
+      </p:sp>
+      <p:sp>
+        <p:nvSpPr>
+          <p:cNvPr id="5" name="Slide Number Placeholder 4"/>
+          <p:cNvSpPr>
+            <a:spLocks noGrp="1"/>
+          </p:cNvSpPr>
+          <p:nvPr>
+            <p:ph type="sldNum" sz="quarter" idx="12"/>
+          </p:nvPr>
+        </p:nvSpPr>
+        <p:spPr/>
+        <p:txBody>
+          <a:bodyPr/>
+          <a:lstStyle/>
+          <a:p>
+            <a:fld id="{E3B08AF7-4237-6949-8335-F63F47C2C8CC}" type="slidenum">
+              <a:rPr lang="en-US" smtClean="0"/>
+              <a:t>13</a:t>
+            </a:fld>
+            <a:endParaRPr lang="en-US"/>
+          </a:p>
+        </p:txBody>
+      </p:sp>
+      <p:sp>
+        <p:nvSpPr>
+          <p:cNvPr id="3" name="Content Placeholder 2"/>
+          <p:cNvSpPr>
+            <a:spLocks noGrp="1"/>
+          </p:cNvSpPr>
+          <p:nvPr>
+            <p:ph idx="1"/>
+          </p:nvPr>
+        </p:nvSpPr>
+        <p:spPr/>
+        <p:txBody>
+          <a:bodyPr/>
+          <a:lstStyle/>
+          <a:p>
+            <a:r>
+              <a:rPr lang="en-US" dirty="0" smtClean="0"/>
+              <a:t>Define </a:t>
+            </a:r>
+            <a:r>
+              <a:rPr lang="en-US" dirty="0" err="1" smtClean="0"/>
+              <a:t>struct</a:t>
+            </a:r>
+            <a:r>
+              <a:rPr lang="en-US" dirty="0" smtClean="0"/>
+              <a:t> </a:t>
+            </a:r>
+            <a:r>
+              <a:rPr lang="en-US" dirty="0" err="1" smtClean="0"/>
+              <a:t>chứa</a:t>
+            </a:r>
+            <a:r>
+              <a:rPr lang="en-US" dirty="0" smtClean="0"/>
+              <a:t> </a:t>
+            </a:r>
+            <a:r>
+              <a:rPr lang="en-US" dirty="0" err="1" smtClean="0"/>
+              <a:t>các</a:t>
+            </a:r>
+            <a:r>
+              <a:rPr lang="en-US" dirty="0" smtClean="0"/>
+              <a:t> </a:t>
+            </a:r>
+            <a:r>
+              <a:rPr lang="en-US" dirty="0" err="1" smtClean="0"/>
+              <a:t>thông</a:t>
+            </a:r>
+            <a:r>
+              <a:rPr lang="en-US" dirty="0" smtClean="0"/>
+              <a:t> </a:t>
+            </a:r>
+            <a:r>
+              <a:rPr lang="en-US" dirty="0" err="1" smtClean="0"/>
+              <a:t>số</a:t>
+            </a:r>
+            <a:r>
+              <a:rPr lang="en-US" dirty="0" smtClean="0"/>
+              <a:t> </a:t>
+            </a:r>
+            <a:r>
+              <a:rPr lang="en-US" dirty="0" err="1" smtClean="0"/>
+              <a:t>config</a:t>
+            </a:r>
+            <a:r>
+              <a:rPr lang="en-US" dirty="0" smtClean="0"/>
+              <a:t> </a:t>
+            </a:r>
+            <a:r>
+              <a:rPr lang="en-US" dirty="0" err="1" smtClean="0"/>
+              <a:t>phần</a:t>
+            </a:r>
+            <a:r>
+              <a:rPr lang="en-US" dirty="0" smtClean="0"/>
+              <a:t> </a:t>
+            </a:r>
+            <a:r>
+              <a:rPr lang="en-US" dirty="0" err="1" smtClean="0"/>
+              <a:t>cứng</a:t>
+            </a:r>
+            <a:r>
+              <a:rPr lang="en-US" dirty="0" smtClean="0"/>
+              <a:t>.</a:t>
+            </a:r>
+          </a:p>
+          <a:p>
+            <a:endParaRPr lang="en-US" dirty="0"/>
+          </a:p>
+        </p:txBody>
+      </p:sp>
       <p:pic>
         <p:nvPicPr>
-          <p:cNvPr id="6" name="Content Placeholder 5"/>
+          <p:cNvPr id="7" name="Picture 6"/>
           <p:cNvPicPr>
-            <a:picLocks noGrp="1" noChangeAspect="1"/>
+            <a:picLocks noChangeAspect="1"/>
           </p:cNvPicPr>
-          <p:nvPr>
-            <p:ph idx="1"/>
-          </p:nvPr>
+          <p:nvPr/>
         </p:nvPicPr>
         <p:blipFill>
           <a:blip r:embed="rId2"/>
@@ -6136,64 +6425,18 @@
         </p:blipFill>
         <p:spPr>
           <a:xfrm>
-            <a:off x="1392865" y="1190847"/>
-            <a:ext cx="6547594" cy="2997398"/>
+            <a:off x="1654519" y="2122320"/>
+            <a:ext cx="5457825" cy="2085975"/>
           </a:xfrm>
           <a:prstGeom prst="rect">
             <a:avLst/>
           </a:prstGeom>
         </p:spPr>
       </p:pic>
-      <p:sp>
-        <p:nvSpPr>
-          <p:cNvPr id="4" name="Footer Placeholder 3"/>
-          <p:cNvSpPr>
-            <a:spLocks noGrp="1"/>
-          </p:cNvSpPr>
-          <p:nvPr>
-            <p:ph type="ftr" sz="quarter" idx="11"/>
-          </p:nvPr>
-        </p:nvSpPr>
-        <p:spPr/>
-        <p:txBody>
-          <a:bodyPr/>
-          <a:lstStyle/>
-          <a:p>
-            <a:r>
-              <a:rPr lang="en-US" smtClean="0"/>
-              <a:t>©FPT SOFTWARE - Corporate Training Center - Internal Use</a:t>
-            </a:r>
-            <a:endParaRPr lang="en-US"/>
-          </a:p>
-        </p:txBody>
-      </p:sp>
-      <p:sp>
-        <p:nvSpPr>
-          <p:cNvPr id="5" name="Slide Number Placeholder 4"/>
-          <p:cNvSpPr>
-            <a:spLocks noGrp="1"/>
-          </p:cNvSpPr>
-          <p:nvPr>
-            <p:ph type="sldNum" sz="quarter" idx="12"/>
-          </p:nvPr>
-        </p:nvSpPr>
-        <p:spPr/>
-        <p:txBody>
-          <a:bodyPr/>
-          <a:lstStyle/>
-          <a:p>
-            <a:fld id="{E3B08AF7-4237-6949-8335-F63F47C2C8CC}" type="slidenum">
-              <a:rPr lang="en-US" smtClean="0"/>
-              <a:t>13</a:t>
-            </a:fld>
-            <a:endParaRPr lang="en-US"/>
-          </a:p>
-        </p:txBody>
-      </p:sp>
     </p:spTree>
     <p:extLst>
       <p:ext uri="{BB962C8B-B14F-4D97-AF65-F5344CB8AC3E}">
-        <p14:creationId xmlns:p14="http://schemas.microsoft.com/office/powerpoint/2010/main" val="404352912"/>
+        <p14:creationId xmlns:p14="http://schemas.microsoft.com/office/powerpoint/2010/main" val="421541853"/>
       </p:ext>
     </p:extLst>
   </p:cSld>
@@ -6321,15 +6564,106 @@
           </a:p>
         </p:txBody>
       </p:sp>
+      <p:sp>
+        <p:nvSpPr>
+          <p:cNvPr id="3" name="Content Placeholder 2"/>
+          <p:cNvSpPr>
+            <a:spLocks noGrp="1"/>
+          </p:cNvSpPr>
+          <p:nvPr>
+            <p:ph idx="1"/>
+          </p:nvPr>
+        </p:nvSpPr>
+        <p:spPr/>
+        <p:txBody>
+          <a:bodyPr/>
+          <a:lstStyle/>
+          <a:p>
+            <a:r>
+              <a:rPr lang="en-US" dirty="0" err="1" smtClean="0"/>
+              <a:t>Gán</a:t>
+            </a:r>
+            <a:r>
+              <a:rPr lang="en-US" dirty="0" smtClean="0"/>
+              <a:t> </a:t>
+            </a:r>
+            <a:r>
+              <a:rPr lang="en-US" dirty="0" err="1" smtClean="0"/>
+              <a:t>các</a:t>
+            </a:r>
+            <a:r>
+              <a:rPr lang="en-US" dirty="0" smtClean="0"/>
+              <a:t> </a:t>
+            </a:r>
+            <a:r>
+              <a:rPr lang="en-US" dirty="0" err="1" smtClean="0"/>
+              <a:t>thông</a:t>
+            </a:r>
+            <a:r>
+              <a:rPr lang="en-US" dirty="0" smtClean="0"/>
+              <a:t> </a:t>
+            </a:r>
+            <a:r>
+              <a:rPr lang="en-US" dirty="0" err="1" smtClean="0"/>
+              <a:t>số</a:t>
+            </a:r>
+            <a:r>
+              <a:rPr lang="en-US" dirty="0" smtClean="0"/>
+              <a:t> </a:t>
+            </a:r>
+            <a:r>
+              <a:rPr lang="en-US" dirty="0" err="1" smtClean="0"/>
+              <a:t>cho</a:t>
+            </a:r>
+            <a:r>
+              <a:rPr lang="en-US" dirty="0" smtClean="0"/>
+              <a:t> </a:t>
+            </a:r>
+            <a:r>
+              <a:rPr lang="en-US" dirty="0" err="1" smtClean="0"/>
+              <a:t>struct</a:t>
+            </a:r>
+            <a:r>
+              <a:rPr lang="en-US" dirty="0" smtClean="0"/>
+              <a:t> </a:t>
+            </a:r>
+            <a:r>
+              <a:rPr lang="en-US" dirty="0" err="1" smtClean="0"/>
+              <a:t>config</a:t>
+            </a:r>
+            <a:r>
+              <a:rPr lang="en-US" dirty="0" smtClean="0"/>
+              <a:t> </a:t>
+            </a:r>
+            <a:r>
+              <a:rPr lang="en-US" dirty="0" err="1" smtClean="0"/>
+              <a:t>phần</a:t>
+            </a:r>
+            <a:r>
+              <a:rPr lang="en-US" dirty="0" smtClean="0"/>
+              <a:t> </a:t>
+            </a:r>
+            <a:r>
+              <a:rPr lang="en-US" dirty="0" err="1" smtClean="0"/>
+              <a:t>cứng</a:t>
+            </a:r>
+            <a:r>
+              <a:rPr lang="en-US" dirty="0" smtClean="0"/>
+              <a:t>.</a:t>
+            </a:r>
+          </a:p>
+          <a:p>
+            <a:endParaRPr lang="en-US" dirty="0"/>
+          </a:p>
+        </p:txBody>
+      </p:sp>
       <p:pic>
         <p:nvPicPr>
-          <p:cNvPr id="7" name="Content Placeholder 6"/>
+          <p:cNvPr id="6" name="Picture 5"/>
           <p:cNvPicPr>
-            <a:picLocks noGrp="1" noChangeAspect="1"/>
+            <a:picLocks noChangeAspect="1"/>
           </p:cNvPicPr>
-          <p:nvPr>
-            <p:ph idx="1"/>
-          </p:nvPr>
+          <p:nvPr/>
         </p:nvPicPr>
         <p:blipFill>
           <a:blip r:embed="rId2"/>
@@ -6339,8 +6673,8 @@
         </p:blipFill>
         <p:spPr>
           <a:xfrm>
-            <a:off x="2409245" y="1076383"/>
-            <a:ext cx="4246736" cy="3375611"/>
+            <a:off x="251660" y="1785436"/>
+            <a:ext cx="8801100" cy="1781175"/>
           </a:xfrm>
           <a:prstGeom prst="rect">
             <a:avLst/>
@@ -6478,15 +6812,173 @@
           </a:p>
         </p:txBody>
       </p:sp>
+      <p:sp>
+        <p:nvSpPr>
+          <p:cNvPr id="3" name="Content Placeholder 2"/>
+          <p:cNvSpPr>
+            <a:spLocks noGrp="1"/>
+          </p:cNvSpPr>
+          <p:nvPr>
+            <p:ph idx="1"/>
+          </p:nvPr>
+        </p:nvSpPr>
+        <p:spPr/>
+        <p:txBody>
+          <a:bodyPr/>
+          <a:lstStyle/>
+          <a:p>
+            <a:r>
+              <a:rPr lang="en-US" dirty="0" err="1" smtClean="0"/>
+              <a:t>Đính</a:t>
+            </a:r>
+            <a:r>
+              <a:rPr lang="en-US" dirty="0" smtClean="0"/>
+              <a:t> </a:t>
+            </a:r>
+            <a:r>
+              <a:rPr lang="en-US" dirty="0" err="1" smtClean="0"/>
+              <a:t>kèm</a:t>
+            </a:r>
+            <a:r>
+              <a:rPr lang="en-US" dirty="0" smtClean="0"/>
+              <a:t> </a:t>
+            </a:r>
+            <a:r>
+              <a:rPr lang="en-US" dirty="0" err="1" smtClean="0"/>
+              <a:t>struct</a:t>
+            </a:r>
+            <a:r>
+              <a:rPr lang="en-US" dirty="0" smtClean="0"/>
+              <a:t> </a:t>
+            </a:r>
+            <a:r>
+              <a:rPr lang="en-US" dirty="0" err="1" smtClean="0"/>
+              <a:t>chứa</a:t>
+            </a:r>
+            <a:r>
+              <a:rPr lang="en-US" dirty="0" smtClean="0"/>
+              <a:t> </a:t>
+            </a:r>
+            <a:r>
+              <a:rPr lang="en-US" dirty="0" err="1" smtClean="0"/>
+              <a:t>config</a:t>
+            </a:r>
+            <a:r>
+              <a:rPr lang="en-US" dirty="0" smtClean="0"/>
+              <a:t> </a:t>
+            </a:r>
+            <a:r>
+              <a:rPr lang="en-US" dirty="0" err="1" smtClean="0"/>
+              <a:t>của</a:t>
+            </a:r>
+            <a:r>
+              <a:rPr lang="en-US" dirty="0" smtClean="0"/>
+              <a:t> </a:t>
+            </a:r>
+            <a:r>
+              <a:rPr lang="en-US" dirty="0" err="1" smtClean="0"/>
+              <a:t>phần</a:t>
+            </a:r>
+            <a:r>
+              <a:rPr lang="en-US" dirty="0" smtClean="0"/>
+              <a:t> </a:t>
+            </a:r>
+            <a:r>
+              <a:rPr lang="en-US" dirty="0" err="1" smtClean="0"/>
+              <a:t>cứng</a:t>
+            </a:r>
+            <a:r>
+              <a:rPr lang="en-US" dirty="0" smtClean="0"/>
+              <a:t> </a:t>
+            </a:r>
+            <a:r>
+              <a:rPr lang="en-US" dirty="0" err="1" smtClean="0"/>
+              <a:t>vào</a:t>
+            </a:r>
+            <a:r>
+              <a:rPr lang="en-US" dirty="0" smtClean="0"/>
+              <a:t> node device tree.</a:t>
+            </a:r>
+          </a:p>
+          <a:p>
+            <a:endParaRPr lang="en-US" dirty="0"/>
+          </a:p>
+          <a:p>
+            <a:endParaRPr lang="en-US" dirty="0" smtClean="0"/>
+          </a:p>
+          <a:p>
+            <a:r>
+              <a:rPr lang="en-US" dirty="0" err="1" smtClean="0"/>
+              <a:t>Lấy</a:t>
+            </a:r>
+            <a:r>
+              <a:rPr lang="en-US" dirty="0" smtClean="0"/>
+              <a:t> </a:t>
+            </a:r>
+            <a:r>
+              <a:rPr lang="en-US" dirty="0" err="1" smtClean="0"/>
+              <a:t>ra</a:t>
+            </a:r>
+            <a:r>
+              <a:rPr lang="en-US" dirty="0"/>
+              <a:t> </a:t>
+            </a:r>
+            <a:r>
+              <a:rPr lang="en-US" dirty="0" err="1" smtClean="0"/>
+              <a:t>config</a:t>
+            </a:r>
+            <a:r>
+              <a:rPr lang="en-US" dirty="0" smtClean="0"/>
+              <a:t> </a:t>
+            </a:r>
+            <a:r>
+              <a:rPr lang="en-US" dirty="0" err="1" smtClean="0"/>
+              <a:t>đã</a:t>
+            </a:r>
+            <a:r>
+              <a:rPr lang="en-US" dirty="0" smtClean="0"/>
+              <a:t> </a:t>
+            </a:r>
+            <a:r>
+              <a:rPr lang="en-US" dirty="0" err="1" smtClean="0"/>
+              <a:t>đính</a:t>
+            </a:r>
+            <a:r>
+              <a:rPr lang="en-US" dirty="0" smtClean="0"/>
+              <a:t> </a:t>
+            </a:r>
+            <a:r>
+              <a:rPr lang="en-US" dirty="0" err="1" smtClean="0"/>
+              <a:t>kèm</a:t>
+            </a:r>
+            <a:r>
+              <a:rPr lang="en-US" dirty="0" smtClean="0"/>
+              <a:t> </a:t>
+            </a:r>
+            <a:r>
+              <a:rPr lang="en-US" dirty="0" err="1" smtClean="0"/>
+              <a:t>trong</a:t>
+            </a:r>
+            <a:r>
+              <a:rPr lang="en-US" dirty="0" smtClean="0"/>
+              <a:t> device tree.</a:t>
+            </a:r>
+          </a:p>
+          <a:p>
+            <a:endParaRPr lang="en-US" dirty="0" smtClean="0"/>
+          </a:p>
+          <a:p>
+            <a:endParaRPr lang="en-US" dirty="0"/>
+          </a:p>
+        </p:txBody>
+      </p:sp>
       <p:pic>
         <p:nvPicPr>
-          <p:cNvPr id="6" name="Content Placeholder 5"/>
+          <p:cNvPr id="7" name="Picture 6"/>
           <p:cNvPicPr>
-            <a:picLocks noGrp="1" noChangeAspect="1"/>
+            <a:picLocks noChangeAspect="1"/>
           </p:cNvPicPr>
-          <p:nvPr>
-            <p:ph idx="1"/>
-          </p:nvPr>
+          <p:nvPr/>
         </p:nvPicPr>
         <p:blipFill>
           <a:blip r:embed="rId2"/>
@@ -6496,8 +6988,32 @@
         </p:blipFill>
         <p:spPr>
           <a:xfrm>
-            <a:off x="2493210" y="871538"/>
-            <a:ext cx="4157580" cy="3722687"/>
+            <a:off x="585536" y="1989349"/>
+            <a:ext cx="8382000" cy="1133856"/>
+          </a:xfrm>
+          <a:prstGeom prst="rect">
+            <a:avLst/>
+          </a:prstGeom>
+        </p:spPr>
+      </p:pic>
+      <p:pic>
+        <p:nvPicPr>
+          <p:cNvPr id="8" name="Picture 7"/>
+          <p:cNvPicPr>
+            <a:picLocks noChangeAspect="1"/>
+          </p:cNvPicPr>
+          <p:nvPr/>
+        </p:nvPicPr>
+        <p:blipFill>
+          <a:blip r:embed="rId3"/>
+          <a:stretch>
+            <a:fillRect/>
+          </a:stretch>
+        </p:blipFill>
+        <p:spPr>
+          <a:xfrm>
+            <a:off x="405063" y="3785977"/>
+            <a:ext cx="8333874" cy="667003"/>
           </a:xfrm>
           <a:prstGeom prst="rect">
             <a:avLst/>
@@ -6635,15 +7151,102 @@
           </a:p>
         </p:txBody>
       </p:sp>
+      <p:sp>
+        <p:nvSpPr>
+          <p:cNvPr id="3" name="Content Placeholder 2"/>
+          <p:cNvSpPr>
+            <a:spLocks noGrp="1"/>
+          </p:cNvSpPr>
+          <p:nvPr>
+            <p:ph idx="1"/>
+          </p:nvPr>
+        </p:nvSpPr>
+        <p:spPr/>
+        <p:txBody>
+          <a:bodyPr/>
+          <a:lstStyle/>
+          <a:p>
+            <a:r>
+              <a:rPr lang="en-US" dirty="0" smtClean="0"/>
+              <a:t>Define </a:t>
+            </a:r>
+            <a:r>
+              <a:rPr lang="en-US" dirty="0" err="1" smtClean="0"/>
+              <a:t>struct</a:t>
+            </a:r>
+            <a:r>
+              <a:rPr lang="en-US" dirty="0" smtClean="0"/>
+              <a:t> </a:t>
+            </a:r>
+            <a:r>
+              <a:rPr lang="en-US" dirty="0" err="1" smtClean="0"/>
+              <a:t>chứa</a:t>
+            </a:r>
+            <a:r>
+              <a:rPr lang="en-US" dirty="0" smtClean="0"/>
+              <a:t> </a:t>
+            </a:r>
+            <a:r>
+              <a:rPr lang="en-US" dirty="0" err="1" smtClean="0"/>
+              <a:t>các</a:t>
+            </a:r>
+            <a:r>
+              <a:rPr lang="en-US" dirty="0" smtClean="0"/>
+              <a:t> </a:t>
+            </a:r>
+            <a:r>
+              <a:rPr lang="en-US" dirty="0" err="1" smtClean="0"/>
+              <a:t>dữ</a:t>
+            </a:r>
+            <a:r>
+              <a:rPr lang="en-US" dirty="0" smtClean="0"/>
+              <a:t> </a:t>
+            </a:r>
+            <a:r>
+              <a:rPr lang="en-US" dirty="0" err="1" smtClean="0"/>
+              <a:t>liệu</a:t>
+            </a:r>
+            <a:r>
+              <a:rPr lang="en-US" dirty="0" smtClean="0"/>
+              <a:t> </a:t>
+            </a:r>
+            <a:r>
+              <a:rPr lang="en-US" dirty="0" err="1" smtClean="0"/>
+              <a:t>đặc</a:t>
+            </a:r>
+            <a:r>
+              <a:rPr lang="en-US" dirty="0" smtClean="0"/>
+              <a:t> </a:t>
+            </a:r>
+            <a:r>
+              <a:rPr lang="en-US" dirty="0" err="1" smtClean="0"/>
+              <a:t>trưng</a:t>
+            </a:r>
+            <a:r>
+              <a:rPr lang="en-US" dirty="0" smtClean="0"/>
+              <a:t> </a:t>
+            </a:r>
+            <a:r>
+              <a:rPr lang="en-US" dirty="0" err="1" smtClean="0"/>
+              <a:t>cho</a:t>
+            </a:r>
+            <a:r>
+              <a:rPr lang="en-US" dirty="0" smtClean="0"/>
+              <a:t> kernel (driver data).</a:t>
+            </a:r>
+          </a:p>
+          <a:p>
+            <a:endParaRPr lang="en-US" dirty="0"/>
+          </a:p>
+        </p:txBody>
+      </p:sp>
       <p:pic>
         <p:nvPicPr>
-          <p:cNvPr id="7" name="Content Placeholder 6"/>
+          <p:cNvPr id="6" name="Picture 5"/>
           <p:cNvPicPr>
-            <a:picLocks noGrp="1" noChangeAspect="1"/>
+            <a:picLocks noChangeAspect="1"/>
           </p:cNvPicPr>
-          <p:nvPr>
-            <p:ph idx="1"/>
-          </p:nvPr>
+          <p:nvPr/>
         </p:nvPicPr>
         <p:blipFill>
           <a:blip r:embed="rId2"/>
@@ -6653,8 +7256,8 @@
         </p:blipFill>
         <p:spPr>
           <a:xfrm>
-            <a:off x="669436" y="999462"/>
-            <a:ext cx="7721205" cy="3115338"/>
+            <a:off x="694574" y="2131093"/>
+            <a:ext cx="7604324" cy="1919538"/>
           </a:xfrm>
           <a:prstGeom prst="rect">
             <a:avLst/>
@@ -6707,6 +7310,444 @@
           <a:lstStyle/>
           <a:p>
             <a:r>
+              <a:rPr lang="en-US" sz="2000" dirty="0" err="1"/>
+              <a:t>Kết</a:t>
+            </a:r>
+            <a:r>
+              <a:rPr lang="en-US" sz="2000" dirty="0"/>
+              <a:t> </a:t>
+            </a:r>
+            <a:r>
+              <a:rPr lang="en-US" sz="2000" dirty="0" err="1"/>
+              <a:t>hợp</a:t>
+            </a:r>
+            <a:r>
+              <a:rPr lang="en-US" sz="2000" dirty="0"/>
+              <a:t> </a:t>
+            </a:r>
+            <a:r>
+              <a:rPr lang="en-US" sz="2000" dirty="0" err="1"/>
+              <a:t>giữa</a:t>
+            </a:r>
+            <a:r>
+              <a:rPr lang="en-US" sz="2000" dirty="0"/>
+              <a:t> device tree và code C để define </a:t>
+            </a:r>
+            <a:r>
+              <a:rPr lang="en-US" sz="2000" dirty="0" err="1"/>
+              <a:t>phần</a:t>
+            </a:r>
+            <a:r>
+              <a:rPr lang="en-US" sz="2000" dirty="0"/>
+              <a:t> </a:t>
+            </a:r>
+            <a:r>
+              <a:rPr lang="en-US" sz="2000" dirty="0" err="1"/>
+              <a:t>cứng</a:t>
+            </a:r>
+            <a:endParaRPr lang="en-US" sz="2000" dirty="0"/>
+          </a:p>
+        </p:txBody>
+      </p:sp>
+      <p:sp>
+        <p:nvSpPr>
+          <p:cNvPr id="4" name="Footer Placeholder 3"/>
+          <p:cNvSpPr>
+            <a:spLocks noGrp="1"/>
+          </p:cNvSpPr>
+          <p:nvPr>
+            <p:ph type="ftr" sz="quarter" idx="11"/>
+          </p:nvPr>
+        </p:nvSpPr>
+        <p:spPr/>
+        <p:txBody>
+          <a:bodyPr/>
+          <a:lstStyle/>
+          <a:p>
+            <a:r>
+              <a:rPr lang="en-US" smtClean="0"/>
+              <a:t>©FPT SOFTWARE - Corporate Training Center - Internal Use</a:t>
+            </a:r>
+            <a:endParaRPr lang="en-US"/>
+          </a:p>
+        </p:txBody>
+      </p:sp>
+      <p:sp>
+        <p:nvSpPr>
+          <p:cNvPr id="5" name="Slide Number Placeholder 4"/>
+          <p:cNvSpPr>
+            <a:spLocks noGrp="1"/>
+          </p:cNvSpPr>
+          <p:nvPr>
+            <p:ph type="sldNum" sz="quarter" idx="12"/>
+          </p:nvPr>
+        </p:nvSpPr>
+        <p:spPr/>
+        <p:txBody>
+          <a:bodyPr/>
+          <a:lstStyle/>
+          <a:p>
+            <a:fld id="{E3B08AF7-4237-6949-8335-F63F47C2C8CC}" type="slidenum">
+              <a:rPr lang="en-US" smtClean="0"/>
+              <a:t>17</a:t>
+            </a:fld>
+            <a:endParaRPr lang="en-US"/>
+          </a:p>
+        </p:txBody>
+      </p:sp>
+      <p:sp>
+        <p:nvSpPr>
+          <p:cNvPr id="3" name="Content Placeholder 2"/>
+          <p:cNvSpPr>
+            <a:spLocks noGrp="1"/>
+          </p:cNvSpPr>
+          <p:nvPr>
+            <p:ph idx="1"/>
+          </p:nvPr>
+        </p:nvSpPr>
+        <p:spPr/>
+        <p:txBody>
+          <a:bodyPr/>
+          <a:lstStyle/>
+          <a:p>
+            <a:r>
+              <a:rPr lang="en-US" dirty="0" err="1" smtClean="0"/>
+              <a:t>Đính</a:t>
+            </a:r>
+            <a:r>
+              <a:rPr lang="en-US" dirty="0" smtClean="0"/>
+              <a:t> </a:t>
+            </a:r>
+            <a:r>
+              <a:rPr lang="en-US" dirty="0" err="1" smtClean="0"/>
+              <a:t>kèm</a:t>
+            </a:r>
+            <a:r>
+              <a:rPr lang="en-US" dirty="0" smtClean="0"/>
+              <a:t> driver data </a:t>
+            </a:r>
+            <a:r>
+              <a:rPr lang="en-US" dirty="0" err="1" smtClean="0"/>
+              <a:t>cho</a:t>
+            </a:r>
+            <a:r>
+              <a:rPr lang="en-US" dirty="0" smtClean="0"/>
+              <a:t> timer function.</a:t>
+            </a:r>
+          </a:p>
+          <a:p>
+            <a:endParaRPr lang="en-US" dirty="0" smtClean="0"/>
+          </a:p>
+          <a:p>
+            <a:endParaRPr lang="en-US" dirty="0"/>
+          </a:p>
+        </p:txBody>
+      </p:sp>
+      <p:pic>
+        <p:nvPicPr>
+          <p:cNvPr id="7" name="Picture 6"/>
+          <p:cNvPicPr>
+            <a:picLocks noChangeAspect="1"/>
+          </p:cNvPicPr>
+          <p:nvPr/>
+        </p:nvPicPr>
+        <p:blipFill>
+          <a:blip r:embed="rId2"/>
+          <a:stretch>
+            <a:fillRect/>
+          </a:stretch>
+        </p:blipFill>
+        <p:spPr>
+          <a:xfrm>
+            <a:off x="653716" y="1590596"/>
+            <a:ext cx="7836568" cy="306896"/>
+          </a:xfrm>
+          <a:prstGeom prst="rect">
+            <a:avLst/>
+          </a:prstGeom>
+        </p:spPr>
+      </p:pic>
+      <p:pic>
+        <p:nvPicPr>
+          <p:cNvPr id="8" name="Picture 7"/>
+          <p:cNvPicPr>
+            <a:picLocks noChangeAspect="1"/>
+          </p:cNvPicPr>
+          <p:nvPr/>
+        </p:nvPicPr>
+        <p:blipFill>
+          <a:blip r:embed="rId3"/>
+          <a:stretch>
+            <a:fillRect/>
+          </a:stretch>
+        </p:blipFill>
+        <p:spPr>
+          <a:xfrm>
+            <a:off x="0" y="2279803"/>
+            <a:ext cx="9144000" cy="1081198"/>
+          </a:xfrm>
+          <a:prstGeom prst="rect">
+            <a:avLst/>
+          </a:prstGeom>
+        </p:spPr>
+      </p:pic>
+    </p:spTree>
+    <p:extLst>
+      <p:ext uri="{BB962C8B-B14F-4D97-AF65-F5344CB8AC3E}">
+        <p14:creationId xmlns:p14="http://schemas.microsoft.com/office/powerpoint/2010/main" val="158653090"/>
+      </p:ext>
+    </p:extLst>
+  </p:cSld>
+  <p:clrMapOvr>
+    <a:masterClrMapping/>
+  </p:clrMapOvr>
+</p:sld>
+</file>
+
+<file path=ppt/slides/slide18.xml><?xml version="1.0" encoding="utf-8"?>
+<p:sld xmlns:a="http://schemas.openxmlformats.org/drawingml/2006/main" xmlns:r="http://schemas.openxmlformats.org/officeDocument/2006/relationships" xmlns:p="http://schemas.openxmlformats.org/presentationml/2006/main">
+  <p:cSld>
+    <p:spTree>
+      <p:nvGrpSpPr>
+        <p:cNvPr id="1" name=""/>
+        <p:cNvGrpSpPr/>
+        <p:nvPr/>
+      </p:nvGrpSpPr>
+      <p:grpSpPr>
+        <a:xfrm>
+          <a:off x="0" y="0"/>
+          <a:ext cx="0" cy="0"/>
+          <a:chOff x="0" y="0"/>
+          <a:chExt cx="0" cy="0"/>
+        </a:xfrm>
+      </p:grpSpPr>
+      <p:sp>
+        <p:nvSpPr>
+          <p:cNvPr id="2" name="Title 1"/>
+          <p:cNvSpPr>
+            <a:spLocks noGrp="1"/>
+          </p:cNvSpPr>
+          <p:nvPr>
+            <p:ph type="title"/>
+          </p:nvPr>
+        </p:nvSpPr>
+        <p:spPr/>
+        <p:txBody>
+          <a:bodyPr/>
+          <a:lstStyle/>
+          <a:p>
+            <a:r>
+              <a:rPr lang="en-US" dirty="0"/>
+              <a:t>B</a:t>
+            </a:r>
+            <a:r>
+              <a:rPr lang="en-US" dirty="0" smtClean="0"/>
+              <a:t>ooting flow</a:t>
+            </a:r>
+            <a:endParaRPr lang="en-US" dirty="0"/>
+          </a:p>
+        </p:txBody>
+      </p:sp>
+      <p:sp>
+        <p:nvSpPr>
+          <p:cNvPr id="3" name="Content Placeholder 2"/>
+          <p:cNvSpPr>
+            <a:spLocks noGrp="1"/>
+          </p:cNvSpPr>
+          <p:nvPr>
+            <p:ph idx="1"/>
+          </p:nvPr>
+        </p:nvSpPr>
+        <p:spPr/>
+        <p:txBody>
+          <a:bodyPr/>
+          <a:lstStyle/>
+          <a:p>
+            <a:r>
+              <a:rPr lang="en-US" dirty="0"/>
+              <a:t>Boot loader load kernel image and </a:t>
+            </a:r>
+            <a:r>
+              <a:rPr lang="en-US" dirty="0" err="1"/>
+              <a:t>dtb</a:t>
+            </a:r>
+            <a:r>
+              <a:rPr lang="en-US" dirty="0"/>
+              <a:t> </a:t>
+            </a:r>
+            <a:r>
+              <a:rPr lang="en-US" dirty="0" smtClean="0"/>
+              <a:t>file</a:t>
+            </a:r>
+          </a:p>
+          <a:p>
+            <a:r>
+              <a:rPr lang="en-US" dirty="0"/>
+              <a:t>Initialize hardware data </a:t>
+            </a:r>
+            <a:r>
+              <a:rPr lang="en-US" dirty="0" smtClean="0"/>
+              <a:t>base</a:t>
+            </a:r>
+          </a:p>
+          <a:p>
+            <a:r>
+              <a:rPr lang="en-US" dirty="0"/>
+              <a:t>Call probe function of all </a:t>
+            </a:r>
+            <a:r>
+              <a:rPr lang="en-US" dirty="0" smtClean="0"/>
+              <a:t>drives</a:t>
+            </a:r>
+          </a:p>
+          <a:p>
+            <a:r>
+              <a:rPr lang="en-US" dirty="0" err="1"/>
+              <a:t>setup_arch</a:t>
+            </a:r>
+            <a:r>
+              <a:rPr lang="en-US" dirty="0"/>
+              <a:t>(&amp;</a:t>
+            </a:r>
+            <a:r>
+              <a:rPr lang="en-US" dirty="0" err="1"/>
+              <a:t>command_line</a:t>
+            </a:r>
+            <a:r>
+              <a:rPr lang="en-US" dirty="0" smtClean="0"/>
+              <a:t>) </a:t>
+            </a:r>
+            <a:r>
+              <a:rPr lang="en-US" dirty="0"/>
+              <a:t>-&gt; </a:t>
+            </a:r>
+            <a:r>
+              <a:rPr lang="en-US" dirty="0" err="1"/>
+              <a:t>setup_machine_fdt</a:t>
+            </a:r>
+            <a:r>
+              <a:rPr lang="en-US" dirty="0"/>
+              <a:t>(__</a:t>
+            </a:r>
+            <a:r>
+              <a:rPr lang="en-US" dirty="0" err="1"/>
+              <a:t>atags_pointer</a:t>
+            </a:r>
+            <a:r>
+              <a:rPr lang="en-US" dirty="0"/>
+              <a:t>) -&gt; </a:t>
+            </a:r>
+            <a:r>
+              <a:rPr lang="en-US" dirty="0" err="1"/>
+              <a:t>unflatten_device_tree</a:t>
+            </a:r>
+            <a:r>
+              <a:rPr lang="en-US" dirty="0" smtClean="0"/>
+              <a:t>().</a:t>
+            </a:r>
+            <a:endParaRPr lang="en-US" dirty="0"/>
+          </a:p>
+        </p:txBody>
+      </p:sp>
+      <p:sp>
+        <p:nvSpPr>
+          <p:cNvPr id="4" name="Footer Placeholder 3"/>
+          <p:cNvSpPr>
+            <a:spLocks noGrp="1"/>
+          </p:cNvSpPr>
+          <p:nvPr>
+            <p:ph type="ftr" sz="quarter" idx="11"/>
+          </p:nvPr>
+        </p:nvSpPr>
+        <p:spPr/>
+        <p:txBody>
+          <a:bodyPr/>
+          <a:lstStyle/>
+          <a:p>
+            <a:r>
+              <a:rPr lang="en-US" smtClean="0"/>
+              <a:t>©FPT SOFTWARE - Corporate Training Center - Internal Use</a:t>
+            </a:r>
+            <a:endParaRPr lang="en-US"/>
+          </a:p>
+        </p:txBody>
+      </p:sp>
+      <p:sp>
+        <p:nvSpPr>
+          <p:cNvPr id="5" name="Slide Number Placeholder 4"/>
+          <p:cNvSpPr>
+            <a:spLocks noGrp="1"/>
+          </p:cNvSpPr>
+          <p:nvPr>
+            <p:ph type="sldNum" sz="quarter" idx="12"/>
+          </p:nvPr>
+        </p:nvSpPr>
+        <p:spPr/>
+        <p:txBody>
+          <a:bodyPr/>
+          <a:lstStyle/>
+          <a:p>
+            <a:fld id="{E3B08AF7-4237-6949-8335-F63F47C2C8CC}" type="slidenum">
+              <a:rPr lang="en-US" smtClean="0"/>
+              <a:t>18</a:t>
+            </a:fld>
+            <a:endParaRPr lang="en-US"/>
+          </a:p>
+        </p:txBody>
+      </p:sp>
+    </p:spTree>
+    <p:extLst>
+      <p:ext uri="{BB962C8B-B14F-4D97-AF65-F5344CB8AC3E}">
+        <p14:creationId xmlns:p14="http://schemas.microsoft.com/office/powerpoint/2010/main" val="2076425470"/>
+      </p:ext>
+    </p:extLst>
+  </p:cSld>
+  <p:clrMapOvr>
+    <a:masterClrMapping/>
+  </p:clrMapOvr>
+  <p:timing>
+    <p:tnLst>
+      <p:par>
+        <p:cTn id="1" dur="indefinite" restart="never" nodeType="tmRoot"/>
+      </p:par>
+    </p:tnLst>
+  </p:timing>
+</p:sld>
+</file>
+
+<file path=ppt/slides/slide19.xml><?xml version="1.0" encoding="utf-8"?>
+<p:sld xmlns:a="http://schemas.openxmlformats.org/drawingml/2006/main" xmlns:r="http://schemas.openxmlformats.org/officeDocument/2006/relationships" xmlns:p="http://schemas.openxmlformats.org/presentationml/2006/main">
+  <p:cSld>
+    <p:spTree>
+      <p:nvGrpSpPr>
+        <p:cNvPr id="1" name=""/>
+        <p:cNvGrpSpPr/>
+        <p:nvPr/>
+      </p:nvGrpSpPr>
+      <p:grpSpPr>
+        <a:xfrm>
+          <a:off x="0" y="0"/>
+          <a:ext cx="0" cy="0"/>
+          <a:chOff x="0" y="0"/>
+          <a:chExt cx="0" cy="0"/>
+        </a:xfrm>
+      </p:grpSpPr>
+      <p:sp>
+        <p:nvSpPr>
+          <p:cNvPr id="2" name="Title 1"/>
+          <p:cNvSpPr>
+            <a:spLocks noGrp="1"/>
+          </p:cNvSpPr>
+          <p:nvPr>
+            <p:ph type="title"/>
+          </p:nvPr>
+        </p:nvSpPr>
+        <p:spPr/>
+        <p:txBody>
+          <a:bodyPr/>
+          <a:lstStyle/>
+          <a:p>
+            <a:r>
               <a:rPr lang="en-US" dirty="0" smtClean="0"/>
               <a:t>Reference</a:t>
             </a:r>
@@ -6795,7 +7836,7 @@
           <a:p>
             <a:fld id="{E3B08AF7-4237-6949-8335-F63F47C2C8CC}" type="slidenum">
               <a:rPr lang="en-US" smtClean="0"/>
-              <a:t>17</a:t>
+              <a:t>19</a:t>
             </a:fld>
             <a:endParaRPr lang="en-US"/>
           </a:p>
@@ -6814,7 +7855,114 @@
 </p:sld>
 </file>
 
-<file path=ppt/slides/slide18.xml><?xml version="1.0" encoding="utf-8"?>
+<file path=ppt/slides/slide2.xml><?xml version="1.0" encoding="utf-8"?>
+<p:sld xmlns:a="http://schemas.openxmlformats.org/drawingml/2006/main" xmlns:r="http://schemas.openxmlformats.org/officeDocument/2006/relationships" xmlns:p="http://schemas.openxmlformats.org/presentationml/2006/main">
+  <p:cSld>
+    <p:spTree>
+      <p:nvGrpSpPr>
+        <p:cNvPr id="1" name=""/>
+        <p:cNvGrpSpPr/>
+        <p:nvPr/>
+      </p:nvGrpSpPr>
+      <p:grpSpPr>
+        <a:xfrm>
+          <a:off x="0" y="0"/>
+          <a:ext cx="0" cy="0"/>
+          <a:chOff x="0" y="0"/>
+          <a:chExt cx="0" cy="0"/>
+        </a:xfrm>
+      </p:grpSpPr>
+      <p:sp>
+        <p:nvSpPr>
+          <p:cNvPr id="2" name="Title 1"/>
+          <p:cNvSpPr>
+            <a:spLocks noGrp="1"/>
+          </p:cNvSpPr>
+          <p:nvPr>
+            <p:ph type="title"/>
+          </p:nvPr>
+        </p:nvSpPr>
+        <p:spPr/>
+        <p:txBody>
+          <a:bodyPr/>
+          <a:lstStyle/>
+          <a:p>
+            <a:r>
+              <a:rPr lang="en-US"/>
+              <a:t>Agenda</a:t>
+            </a:r>
+          </a:p>
+        </p:txBody>
+      </p:sp>
+      <p:sp>
+        <p:nvSpPr>
+          <p:cNvPr id="3" name="Text Placeholder 2"/>
+          <p:cNvSpPr>
+            <a:spLocks noGrp="1"/>
+          </p:cNvSpPr>
+          <p:nvPr>
+            <p:ph idx="1"/>
+          </p:nvPr>
+        </p:nvSpPr>
+        <p:spPr/>
+        <p:txBody>
+          <a:bodyPr/>
+          <a:lstStyle/>
+          <a:p>
+            <a:pPr lvl="0"/>
+            <a:r>
+              <a:rPr lang="en-US" dirty="0"/>
+              <a:t>Introduction</a:t>
+            </a:r>
+            <a:endParaRPr lang="en-US" dirty="0" smtClean="0"/>
+          </a:p>
+          <a:p>
+            <a:pPr lvl="0"/>
+            <a:r>
+              <a:rPr lang="en-US" dirty="0"/>
+              <a:t>Device </a:t>
+            </a:r>
+            <a:r>
+              <a:rPr lang="en-US" dirty="0" smtClean="0"/>
+              <a:t>Tree </a:t>
+            </a:r>
+            <a:r>
+              <a:rPr lang="en-US" dirty="0"/>
+              <a:t>syntax</a:t>
+            </a:r>
+            <a:endParaRPr lang="en-US" dirty="0" smtClean="0"/>
+          </a:p>
+          <a:p>
+            <a:pPr lvl="0"/>
+            <a:r>
+              <a:rPr lang="en-US" dirty="0" smtClean="0"/>
+              <a:t>Use device in driver</a:t>
+            </a:r>
+          </a:p>
+          <a:p>
+            <a:pPr lvl="0"/>
+            <a:r>
+              <a:rPr lang="en-US" dirty="0" smtClean="0"/>
+              <a:t>Practice</a:t>
+            </a:r>
+            <a:endParaRPr lang="en-US" dirty="0"/>
+          </a:p>
+        </p:txBody>
+      </p:sp>
+    </p:spTree>
+    <p:extLst>
+      <p:ext uri="{BB962C8B-B14F-4D97-AF65-F5344CB8AC3E}">
+        <p14:creationId xmlns:p14="http://schemas.microsoft.com/office/powerpoint/2010/main" val="991551299"/>
+      </p:ext>
+    </p:extLst>
+  </p:cSld>
+  <p:clrMapOvr>
+    <a:masterClrMapping/>
+  </p:clrMapOvr>
+</p:sld>
+</file>
+
+<file path=ppt/slides/slide20.xml><?xml version="1.0" encoding="utf-8"?>
 <p:sld xmlns:a="http://schemas.openxmlformats.org/drawingml/2006/main" xmlns:r="http://schemas.openxmlformats.org/officeDocument/2006/relationships" xmlns:p="http://schemas.openxmlformats.org/presentationml/2006/main">
   <p:cSld>
     <p:bg>
@@ -6929,7 +8077,7 @@
           <a:p>
             <a:fld id="{E3B08AF7-4237-6949-8335-F63F47C2C8CC}" type="slidenum">
               <a:rPr lang="en-US" smtClean="0"/>
-              <a:t>18</a:t>
+              <a:t>20</a:t>
             </a:fld>
             <a:endParaRPr lang="en-US" dirty="0"/>
           </a:p>
@@ -6952,113 +8100,6 @@
       </p:par>
     </p:tnLst>
   </p:timing>
-</p:sld>
-</file>
-
-<file path=ppt/slides/slide2.xml><?xml version="1.0" encoding="utf-8"?>
-<p:sld xmlns:a="http://schemas.openxmlformats.org/drawingml/2006/main" xmlns:r="http://schemas.openxmlformats.org/officeDocument/2006/relationships" xmlns:p="http://schemas.openxmlformats.org/presentationml/2006/main">
-  <p:cSld>
-    <p:spTree>
-      <p:nvGrpSpPr>
-        <p:cNvPr id="1" name=""/>
-        <p:cNvGrpSpPr/>
-        <p:nvPr/>
-      </p:nvGrpSpPr>
-      <p:grpSpPr>
-        <a:xfrm>
-          <a:off x="0" y="0"/>
-          <a:ext cx="0" cy="0"/>
-          <a:chOff x="0" y="0"/>
-          <a:chExt cx="0" cy="0"/>
-        </a:xfrm>
-      </p:grpSpPr>
-      <p:sp>
-        <p:nvSpPr>
-          <p:cNvPr id="2" name="Title 1"/>
-          <p:cNvSpPr>
-            <a:spLocks noGrp="1"/>
-          </p:cNvSpPr>
-          <p:nvPr>
-            <p:ph type="title"/>
-          </p:nvPr>
-        </p:nvSpPr>
-        <p:spPr/>
-        <p:txBody>
-          <a:bodyPr/>
-          <a:lstStyle/>
-          <a:p>
-            <a:r>
-              <a:rPr lang="en-US"/>
-              <a:t>Agenda</a:t>
-            </a:r>
-          </a:p>
-        </p:txBody>
-      </p:sp>
-      <p:sp>
-        <p:nvSpPr>
-          <p:cNvPr id="3" name="Text Placeholder 2"/>
-          <p:cNvSpPr>
-            <a:spLocks noGrp="1"/>
-          </p:cNvSpPr>
-          <p:nvPr>
-            <p:ph idx="1"/>
-          </p:nvPr>
-        </p:nvSpPr>
-        <p:spPr/>
-        <p:txBody>
-          <a:bodyPr/>
-          <a:lstStyle/>
-          <a:p>
-            <a:pPr lvl="0"/>
-            <a:r>
-              <a:rPr lang="en-US" dirty="0"/>
-              <a:t>Introduction</a:t>
-            </a:r>
-            <a:endParaRPr lang="en-US" dirty="0" smtClean="0"/>
-          </a:p>
-          <a:p>
-            <a:pPr lvl="0"/>
-            <a:r>
-              <a:rPr lang="en-US" dirty="0"/>
-              <a:t>Device </a:t>
-            </a:r>
-            <a:r>
-              <a:rPr lang="en-US" dirty="0" smtClean="0"/>
-              <a:t>Tree </a:t>
-            </a:r>
-            <a:r>
-              <a:rPr lang="en-US" dirty="0"/>
-              <a:t>syntax</a:t>
-            </a:r>
-            <a:endParaRPr lang="en-US" dirty="0" smtClean="0"/>
-          </a:p>
-          <a:p>
-            <a:pPr lvl="0"/>
-            <a:r>
-              <a:rPr lang="en-US" dirty="0" smtClean="0"/>
-              <a:t>Use device in driver</a:t>
-            </a:r>
-          </a:p>
-          <a:p>
-            <a:pPr lvl="0"/>
-            <a:r>
-              <a:rPr lang="en-US" dirty="0" smtClean="0"/>
-              <a:t>Practice</a:t>
-            </a:r>
-            <a:endParaRPr lang="en-US" dirty="0"/>
-          </a:p>
-        </p:txBody>
-      </p:sp>
-    </p:spTree>
-    <p:extLst>
-      <p:ext uri="{BB962C8B-B14F-4D97-AF65-F5344CB8AC3E}">
-        <p14:creationId xmlns:p14="http://schemas.microsoft.com/office/powerpoint/2010/main" val="991551299"/>
-      </p:ext>
-    </p:extLst>
-  </p:cSld>
-  <p:clrMapOvr>
-    <a:masterClrMapping/>
-  </p:clrMapOvr>
 </p:sld>
 </file>
 
@@ -7746,166 +8787,6 @@
           <a:p>
             <a:r>
               <a:rPr lang="en-US" dirty="0"/>
-              <a:t>B</a:t>
-            </a:r>
-            <a:r>
-              <a:rPr lang="en-US" dirty="0" smtClean="0"/>
-              <a:t>ooting flow</a:t>
-            </a:r>
-            <a:endParaRPr lang="en-US" dirty="0"/>
-          </a:p>
-        </p:txBody>
-      </p:sp>
-      <p:sp>
-        <p:nvSpPr>
-          <p:cNvPr id="3" name="Content Placeholder 2"/>
-          <p:cNvSpPr>
-            <a:spLocks noGrp="1"/>
-          </p:cNvSpPr>
-          <p:nvPr>
-            <p:ph idx="1"/>
-          </p:nvPr>
-        </p:nvSpPr>
-        <p:spPr/>
-        <p:txBody>
-          <a:bodyPr/>
-          <a:lstStyle/>
-          <a:p>
-            <a:r>
-              <a:rPr lang="en-US" dirty="0"/>
-              <a:t>Boot loader load kernel image and </a:t>
-            </a:r>
-            <a:r>
-              <a:rPr lang="en-US" dirty="0" err="1"/>
-              <a:t>dtb</a:t>
-            </a:r>
-            <a:r>
-              <a:rPr lang="en-US" dirty="0"/>
-              <a:t> </a:t>
-            </a:r>
-            <a:r>
-              <a:rPr lang="en-US" dirty="0" smtClean="0"/>
-              <a:t>file</a:t>
-            </a:r>
-          </a:p>
-          <a:p>
-            <a:r>
-              <a:rPr lang="en-US" dirty="0"/>
-              <a:t>Initialize hardware data </a:t>
-            </a:r>
-            <a:r>
-              <a:rPr lang="en-US" dirty="0" smtClean="0"/>
-              <a:t>base</a:t>
-            </a:r>
-          </a:p>
-          <a:p>
-            <a:r>
-              <a:rPr lang="en-US" dirty="0"/>
-              <a:t>Call probe function of all drives</a:t>
-            </a:r>
-          </a:p>
-        </p:txBody>
-      </p:sp>
-      <p:sp>
-        <p:nvSpPr>
-          <p:cNvPr id="4" name="Footer Placeholder 3"/>
-          <p:cNvSpPr>
-            <a:spLocks noGrp="1"/>
-          </p:cNvSpPr>
-          <p:nvPr>
-            <p:ph type="ftr" sz="quarter" idx="11"/>
-          </p:nvPr>
-        </p:nvSpPr>
-        <p:spPr/>
-        <p:txBody>
-          <a:bodyPr/>
-          <a:lstStyle/>
-          <a:p>
-            <a:r>
-              <a:rPr lang="en-US" smtClean="0"/>
-              <a:t>©FPT SOFTWARE - Corporate Training Center - Internal Use</a:t>
-            </a:r>
-            <a:endParaRPr lang="en-US"/>
-          </a:p>
-        </p:txBody>
-      </p:sp>
-      <p:sp>
-        <p:nvSpPr>
-          <p:cNvPr id="5" name="Slide Number Placeholder 4"/>
-          <p:cNvSpPr>
-            <a:spLocks noGrp="1"/>
-          </p:cNvSpPr>
-          <p:nvPr>
-            <p:ph type="sldNum" sz="quarter" idx="12"/>
-          </p:nvPr>
-        </p:nvSpPr>
-        <p:spPr/>
-        <p:txBody>
-          <a:bodyPr/>
-          <a:lstStyle/>
-          <a:p>
-            <a:fld id="{E3B08AF7-4237-6949-8335-F63F47C2C8CC}" type="slidenum">
-              <a:rPr lang="en-US" smtClean="0"/>
-              <a:t>6</a:t>
-            </a:fld>
-            <a:endParaRPr lang="en-US"/>
-          </a:p>
-        </p:txBody>
-      </p:sp>
-    </p:spTree>
-    <p:extLst>
-      <p:ext uri="{BB962C8B-B14F-4D97-AF65-F5344CB8AC3E}">
-        <p14:creationId xmlns:p14="http://schemas.microsoft.com/office/powerpoint/2010/main" val="2076425470"/>
-      </p:ext>
-    </p:extLst>
-  </p:cSld>
-  <p:clrMapOvr>
-    <a:masterClrMapping/>
-  </p:clrMapOvr>
-  <p:timing>
-    <p:tnLst>
-      <p:par>
-        <p:cTn id="1" dur="indefinite" restart="never" nodeType="tmRoot"/>
-      </p:par>
-    </p:tnLst>
-  </p:timing>
-</p:sld>
-</file>
-
-<file path=ppt/slides/slide7.xml><?xml version="1.0" encoding="utf-8"?>
-<p:sld xmlns:a="http://schemas.openxmlformats.org/drawingml/2006/main" xmlns:r="http://schemas.openxmlformats.org/officeDocument/2006/relationships" xmlns:p="http://schemas.openxmlformats.org/presentationml/2006/main">
-  <p:cSld>
-    <p:spTree>
-      <p:nvGrpSpPr>
-        <p:cNvPr id="1" name=""/>
-        <p:cNvGrpSpPr/>
-        <p:nvPr/>
-      </p:nvGrpSpPr>
-      <p:grpSpPr>
-        <a:xfrm>
-          <a:off x="0" y="0"/>
-          <a:ext cx="0" cy="0"/>
-          <a:chOff x="0" y="0"/>
-          <a:chExt cx="0" cy="0"/>
-        </a:xfrm>
-      </p:grpSpPr>
-      <p:sp>
-        <p:nvSpPr>
-          <p:cNvPr id="2" name="Title 1"/>
-          <p:cNvSpPr>
-            <a:spLocks noGrp="1"/>
-          </p:cNvSpPr>
-          <p:nvPr>
-            <p:ph type="title"/>
-          </p:nvPr>
-        </p:nvSpPr>
-        <p:spPr/>
-        <p:txBody>
-          <a:bodyPr/>
-          <a:lstStyle/>
-          <a:p>
-            <a:r>
-              <a:rPr lang="en-US" dirty="0"/>
               <a:t>Device Tree Basic </a:t>
             </a:r>
             <a:r>
@@ -8035,7 +8916,7 @@
           <a:p>
             <a:fld id="{E3B08AF7-4237-6949-8335-F63F47C2C8CC}" type="slidenum">
               <a:rPr lang="en-US" smtClean="0"/>
-              <a:t>7</a:t>
+              <a:t>6</a:t>
             </a:fld>
             <a:endParaRPr lang="en-US"/>
           </a:p>
@@ -8087,6 +8968,240 @@
 </p:sld>
 </file>
 
+<file path=ppt/slides/slide7.xml><?xml version="1.0" encoding="utf-8"?>
+<p:sld xmlns:a="http://schemas.openxmlformats.org/drawingml/2006/main" xmlns:r="http://schemas.openxmlformats.org/officeDocument/2006/relationships" xmlns:p="http://schemas.openxmlformats.org/presentationml/2006/main">
+  <p:cSld>
+    <p:spTree>
+      <p:nvGrpSpPr>
+        <p:cNvPr id="1" name=""/>
+        <p:cNvGrpSpPr/>
+        <p:nvPr/>
+      </p:nvGrpSpPr>
+      <p:grpSpPr>
+        <a:xfrm>
+          <a:off x="0" y="0"/>
+          <a:ext cx="0" cy="0"/>
+          <a:chOff x="0" y="0"/>
+          <a:chExt cx="0" cy="0"/>
+        </a:xfrm>
+      </p:grpSpPr>
+      <p:sp>
+        <p:nvSpPr>
+          <p:cNvPr id="2" name="Title 1"/>
+          <p:cNvSpPr>
+            <a:spLocks noGrp="1"/>
+          </p:cNvSpPr>
+          <p:nvPr>
+            <p:ph type="title"/>
+          </p:nvPr>
+        </p:nvSpPr>
+        <p:spPr/>
+        <p:txBody>
+          <a:bodyPr/>
+          <a:lstStyle/>
+          <a:p>
+            <a:r>
+              <a:rPr lang="en-US" dirty="0" err="1"/>
+              <a:t>Đăng</a:t>
+            </a:r>
+            <a:r>
+              <a:rPr lang="en-US" dirty="0"/>
+              <a:t> </a:t>
+            </a:r>
+            <a:r>
+              <a:rPr lang="en-US" dirty="0" err="1"/>
+              <a:t>ký</a:t>
+            </a:r>
+            <a:r>
+              <a:rPr lang="en-US" dirty="0"/>
+              <a:t> và sử dụng device node</a:t>
+            </a:r>
+          </a:p>
+        </p:txBody>
+      </p:sp>
+      <p:sp>
+        <p:nvSpPr>
+          <p:cNvPr id="3" name="Content Placeholder 2"/>
+          <p:cNvSpPr>
+            <a:spLocks noGrp="1"/>
+          </p:cNvSpPr>
+          <p:nvPr>
+            <p:ph idx="1"/>
+          </p:nvPr>
+        </p:nvSpPr>
+        <p:spPr/>
+        <p:txBody>
+          <a:bodyPr/>
+          <a:lstStyle/>
+          <a:p>
+            <a:r>
+              <a:rPr lang="en-US" dirty="0" err="1"/>
+              <a:t>Đa</a:t>
+            </a:r>
+            <a:r>
+              <a:rPr lang="en-US" dirty="0"/>
+              <a:t> </a:t>
+            </a:r>
+            <a:r>
+              <a:rPr lang="en-US" dirty="0" err="1"/>
+              <a:t>số</a:t>
+            </a:r>
+            <a:r>
+              <a:rPr lang="en-US" dirty="0"/>
+              <a:t> sử dụng </a:t>
+            </a:r>
+            <a:r>
+              <a:rPr lang="en-US" dirty="0" err="1"/>
+              <a:t>kiểu</a:t>
+            </a:r>
+            <a:r>
+              <a:rPr lang="en-US" dirty="0"/>
+              <a:t> of match </a:t>
+            </a:r>
+            <a:r>
+              <a:rPr lang="en-US" dirty="0" smtClean="0"/>
+              <a:t>table</a:t>
+            </a:r>
+          </a:p>
+          <a:p>
+            <a:pPr lvl="1"/>
+            <a:r>
+              <a:rPr lang="en-US" dirty="0"/>
+              <a:t>Driver </a:t>
+            </a:r>
+            <a:r>
+              <a:rPr lang="en-US" dirty="0" err="1"/>
+              <a:t>đăng</a:t>
+            </a:r>
+            <a:r>
+              <a:rPr lang="en-US" dirty="0"/>
+              <a:t> </a:t>
+            </a:r>
+            <a:r>
+              <a:rPr lang="en-US" dirty="0" err="1"/>
+              <a:t>ký</a:t>
+            </a:r>
+            <a:r>
+              <a:rPr lang="en-US" dirty="0"/>
+              <a:t> </a:t>
+            </a:r>
+            <a:r>
+              <a:rPr lang="en-US" dirty="0" err="1"/>
+              <a:t>bảng</a:t>
+            </a:r>
+            <a:r>
+              <a:rPr lang="en-US" dirty="0"/>
+              <a:t> of match table có </a:t>
+            </a:r>
+            <a:r>
+              <a:rPr lang="en-US" dirty="0" err="1"/>
+              <a:t>chứa</a:t>
+            </a:r>
+            <a:r>
+              <a:rPr lang="en-US" dirty="0"/>
+              <a:t> các </a:t>
+            </a:r>
+            <a:r>
+              <a:rPr lang="en-US" dirty="0" err="1"/>
+              <a:t>chuỗi</a:t>
+            </a:r>
+            <a:r>
+              <a:rPr lang="en-US" dirty="0"/>
+              <a:t> </a:t>
+            </a:r>
+            <a:r>
+              <a:rPr lang="en-US" dirty="0" smtClean="0"/>
+              <a:t>compatible</a:t>
+            </a:r>
+          </a:p>
+          <a:p>
+            <a:pPr lvl="1"/>
+            <a:r>
+              <a:rPr lang="vi-VN" dirty="0"/>
+              <a:t>Device node có trường </a:t>
+            </a:r>
+            <a:r>
+              <a:rPr lang="vi-VN" dirty="0" smtClean="0"/>
+              <a:t>competible</a:t>
+            </a:r>
+            <a:endParaRPr lang="en-US" dirty="0" smtClean="0"/>
+          </a:p>
+          <a:p>
+            <a:pPr lvl="1"/>
+            <a:r>
+              <a:rPr lang="vi-VN" dirty="0"/>
+              <a:t>Nếu 2 chuỗi compatible trùng nhau thì hàm probe của driver được gọi và truyền vào con trỏ chứa device node</a:t>
+            </a:r>
+            <a:endParaRPr lang="en-US" dirty="0"/>
+          </a:p>
+        </p:txBody>
+      </p:sp>
+      <p:sp>
+        <p:nvSpPr>
+          <p:cNvPr id="4" name="Footer Placeholder 3"/>
+          <p:cNvSpPr>
+            <a:spLocks noGrp="1"/>
+          </p:cNvSpPr>
+          <p:nvPr>
+            <p:ph type="ftr" sz="quarter" idx="11"/>
+          </p:nvPr>
+        </p:nvSpPr>
+        <p:spPr/>
+        <p:txBody>
+          <a:bodyPr/>
+          <a:lstStyle/>
+          <a:p>
+            <a:r>
+              <a:rPr lang="en-US" smtClean="0"/>
+              <a:t>©FPT SOFTWARE - Corporate Training Center - Internal Use</a:t>
+            </a:r>
+            <a:endParaRPr lang="en-US"/>
+          </a:p>
+        </p:txBody>
+      </p:sp>
+      <p:sp>
+        <p:nvSpPr>
+          <p:cNvPr id="5" name="Slide Number Placeholder 4"/>
+          <p:cNvSpPr>
+            <a:spLocks noGrp="1"/>
+          </p:cNvSpPr>
+          <p:nvPr>
+            <p:ph type="sldNum" sz="quarter" idx="12"/>
+          </p:nvPr>
+        </p:nvSpPr>
+        <p:spPr/>
+        <p:txBody>
+          <a:bodyPr/>
+          <a:lstStyle/>
+          <a:p>
+            <a:fld id="{E3B08AF7-4237-6949-8335-F63F47C2C8CC}" type="slidenum">
+              <a:rPr lang="en-US" smtClean="0"/>
+              <a:t>7</a:t>
+            </a:fld>
+            <a:endParaRPr lang="en-US"/>
+          </a:p>
+        </p:txBody>
+      </p:sp>
+    </p:spTree>
+    <p:extLst>
+      <p:ext uri="{BB962C8B-B14F-4D97-AF65-F5344CB8AC3E}">
+        <p14:creationId xmlns:p14="http://schemas.microsoft.com/office/powerpoint/2010/main" val="2224099813"/>
+      </p:ext>
+    </p:extLst>
+  </p:cSld>
+  <p:clrMapOvr>
+    <a:masterClrMapping/>
+  </p:clrMapOvr>
+  <p:timing>
+    <p:tnLst>
+      <p:par>
+        <p:cTn id="1" dur="indefinite" restart="never" nodeType="tmRoot"/>
+      </p:par>
+    </p:tnLst>
+  </p:timing>
+</p:sld>
+</file>
+
 <file path=ppt/slides/slide8.xml><?xml version="1.0" encoding="utf-8"?>
 <p:sld xmlns:a="http://schemas.openxmlformats.org/drawingml/2006/main" xmlns:r="http://schemas.openxmlformats.org/officeDocument/2006/relationships" xmlns:p="http://schemas.openxmlformats.org/presentationml/2006/main">
   <p:cSld>
@@ -8120,8 +9235,34 @@
           <a:lstStyle/>
           <a:p>
             <a:r>
+              <a:rPr lang="en-US" sz="2800" dirty="0"/>
+              <a:t>Các template information của device tree</a:t>
+            </a:r>
+          </a:p>
+        </p:txBody>
+      </p:sp>
+      <p:sp>
+        <p:nvSpPr>
+          <p:cNvPr id="3" name="Content Placeholder 2"/>
+          <p:cNvSpPr>
+            <a:spLocks noGrp="1"/>
+          </p:cNvSpPr>
+          <p:nvPr>
+            <p:ph idx="1"/>
+          </p:nvPr>
+        </p:nvSpPr>
+        <p:spPr/>
+        <p:txBody>
+          <a:bodyPr/>
+          <a:lstStyle/>
+          <a:p>
+            <a:r>
+              <a:rPr lang="en-US" dirty="0" smtClean="0"/>
+              <a:t>Các </a:t>
+            </a:r>
+            <a:r>
               <a:rPr lang="en-US" dirty="0" err="1"/>
-              <a:t>Đăng</a:t>
+              <a:t>cú</a:t>
             </a:r>
             <a:r>
               <a:rPr lang="en-US" dirty="0"/>
@@ -8129,33 +9270,26 @@
             </a:r>
             <a:r>
               <a:rPr lang="en-US" dirty="0" err="1"/>
-              <a:t>ký</a:t>
+              <a:t>pháp</a:t>
             </a:r>
             <a:r>
               <a:rPr lang="en-US" dirty="0"/>
-              <a:t> và sử dụng device node</a:t>
-            </a:r>
-          </a:p>
-        </p:txBody>
-      </p:sp>
-      <p:sp>
-        <p:nvSpPr>
-          <p:cNvPr id="3" name="Content Placeholder 2"/>
-          <p:cNvSpPr>
-            <a:spLocks noGrp="1"/>
-          </p:cNvSpPr>
-          <p:nvPr>
-            <p:ph idx="1"/>
-          </p:nvPr>
-        </p:nvSpPr>
-        <p:spPr/>
-        <p:txBody>
-          <a:bodyPr/>
-          <a:lstStyle/>
-          <a:p>
+              <a:t> </a:t>
+            </a:r>
+            <a:r>
+              <a:rPr lang="en-US" dirty="0" err="1" smtClean="0"/>
+              <a:t>chuẩn</a:t>
+            </a:r>
+            <a:endParaRPr lang="en-US" dirty="0" smtClean="0"/>
+          </a:p>
+          <a:p>
+            <a:r>
+              <a:rPr lang="en-US" dirty="0"/>
+              <a:t>Các </a:t>
+            </a:r>
             <a:r>
               <a:rPr lang="en-US" dirty="0" err="1"/>
-              <a:t>Đa</a:t>
+              <a:t>cú</a:t>
             </a:r>
             <a:r>
               <a:rPr lang="en-US" dirty="0"/>
@@ -8163,95 +9297,33 @@
             </a:r>
             <a:r>
               <a:rPr lang="en-US" dirty="0" err="1"/>
-              <a:t>số</a:t>
+              <a:t>pháp</a:t>
             </a:r>
             <a:r>
               <a:rPr lang="en-US" dirty="0"/>
-              <a:t> sử dụng </a:t>
+              <a:t> </a:t>
             </a:r>
             <a:r>
               <a:rPr lang="en-US" dirty="0" err="1"/>
-              <a:t>kiểu</a:t>
+              <a:t>tự</a:t>
             </a:r>
             <a:r>
               <a:rPr lang="en-US" dirty="0"/>
-              <a:t> of match </a:t>
-            </a:r>
-            <a:r>
-              <a:rPr lang="en-US" dirty="0" smtClean="0"/>
-              <a:t>table</a:t>
-            </a:r>
-          </a:p>
-          <a:p>
-            <a:pPr lvl="1"/>
+              <a:t> </a:t>
+            </a:r>
+            <a:r>
+              <a:rPr lang="en-US" dirty="0" err="1"/>
+              <a:t>định</a:t>
+            </a:r>
             <a:r>
               <a:rPr lang="en-US" dirty="0"/>
-              <a:t>Driver </a:t>
-            </a:r>
-            <a:r>
-              <a:rPr lang="en-US" dirty="0" err="1"/>
-              <a:t>đăng</a:t>
-            </a:r>
-            <a:r>
-              <a:rPr lang="en-US" dirty="0"/>
-              <a:t> </a:t>
-            </a:r>
-            <a:r>
-              <a:rPr lang="en-US" dirty="0" err="1"/>
-              <a:t>ký</a:t>
-            </a:r>
-            <a:r>
-              <a:rPr lang="en-US" dirty="0"/>
-              <a:t> </a:t>
-            </a:r>
-            <a:r>
-              <a:rPr lang="en-US" dirty="0" err="1"/>
-              <a:t>bảng</a:t>
-            </a:r>
-            <a:r>
-              <a:rPr lang="en-US" dirty="0"/>
-              <a:t> of match table có </a:t>
-            </a:r>
-            <a:r>
-              <a:rPr lang="en-US" dirty="0" err="1"/>
-              <a:t>chứa</a:t>
-            </a:r>
-            <a:r>
-              <a:rPr lang="en-US" dirty="0"/>
-              <a:t> các </a:t>
-            </a:r>
-            <a:r>
-              <a:rPr lang="en-US" dirty="0" err="1"/>
-              <a:t>chuỗi</a:t>
-            </a:r>
-            <a:r>
-              <a:rPr lang="en-US" dirty="0"/>
-              <a:t> </a:t>
-            </a:r>
-            <a:r>
-              <a:rPr lang="en-US" dirty="0" smtClean="0"/>
-              <a:t>compatible</a:t>
-            </a:r>
-          </a:p>
-          <a:p>
-            <a:pPr lvl="1"/>
-            <a:r>
-              <a:rPr lang="vi-VN" dirty="0"/>
-              <a:t>Device node có trường </a:t>
-            </a:r>
-            <a:r>
-              <a:rPr lang="vi-VN" dirty="0" smtClean="0"/>
-              <a:t>competible</a:t>
+              <a:t> </a:t>
+            </a:r>
+            <a:r>
+              <a:rPr lang="en-US" smtClean="0"/>
+              <a:t>nghĩa</a:t>
             </a:r>
             <a:endParaRPr lang="en-US" dirty="0" smtClean="0"/>
-          </a:p>
-          <a:p>
-            <a:pPr lvl="1"/>
-            <a:r>
-              <a:rPr lang="vi-VN" dirty="0"/>
-              <a:t>Nếu 2 chuỗi compatible trùng nhau thì hàm probe của driver được gọi và truyền vào con trỏ chứa device node</a:t>
-            </a:r>
-            <a:endParaRPr lang="en-US" dirty="0"/>
           </a:p>
         </p:txBody>
       </p:sp>
@@ -8304,7 +9376,7 @@
     </p:spTree>
     <p:extLst>
       <p:ext uri="{BB962C8B-B14F-4D97-AF65-F5344CB8AC3E}">
-        <p14:creationId xmlns:p14="http://schemas.microsoft.com/office/powerpoint/2010/main" val="2224099813"/>
+        <p14:creationId xmlns:p14="http://schemas.microsoft.com/office/powerpoint/2010/main" val="2892076268"/>
       </p:ext>
     </p:extLst>
   </p:cSld>
@@ -8354,28 +9426,6 @@
           <a:lstStyle/>
           <a:p>
             <a:r>
-              <a:rPr lang="en-US" sz="2800" dirty="0"/>
-              <a:t>Các template information của device tree</a:t>
-            </a:r>
-          </a:p>
-        </p:txBody>
-      </p:sp>
-      <p:sp>
-        <p:nvSpPr>
-          <p:cNvPr id="3" name="Content Placeholder 2"/>
-          <p:cNvSpPr>
-            <a:spLocks noGrp="1"/>
-          </p:cNvSpPr>
-          <p:nvPr>
-            <p:ph idx="1"/>
-          </p:nvPr>
-        </p:nvSpPr>
-        <p:spPr/>
-        <p:txBody>
-          <a:bodyPr/>
-          <a:lstStyle/>
-          <a:p>
-            <a:r>
               <a:rPr lang="en-US" dirty="0" smtClean="0"/>
               <a:t>Các </a:t>
             </a:r>
@@ -8396,53 +9446,108 @@
               <a:t> </a:t>
             </a:r>
             <a:r>
-              <a:rPr lang="en-US" dirty="0" err="1" smtClean="0"/>
+              <a:rPr lang="en-US" dirty="0" err="1"/>
               <a:t>chuẩn</a:t>
             </a:r>
+            <a:endParaRPr lang="en-US" dirty="0"/>
+          </a:p>
+        </p:txBody>
+      </p:sp>
+      <p:sp>
+        <p:nvSpPr>
+          <p:cNvPr id="3" name="Content Placeholder 2"/>
+          <p:cNvSpPr>
+            <a:spLocks noGrp="1"/>
+          </p:cNvSpPr>
+          <p:nvPr>
+            <p:ph idx="1"/>
+          </p:nvPr>
+        </p:nvSpPr>
+        <p:spPr/>
+        <p:txBody>
+          <a:bodyPr/>
+          <a:lstStyle/>
+          <a:p>
+            <a:r>
+              <a:rPr lang="en-US" dirty="0" err="1"/>
+              <a:t>Định</a:t>
+            </a:r>
+            <a:r>
+              <a:rPr lang="en-US" dirty="0"/>
+              <a:t> </a:t>
+            </a:r>
+            <a:r>
+              <a:rPr lang="en-US" dirty="0" err="1"/>
+              <a:t>địa</a:t>
+            </a:r>
+            <a:r>
+              <a:rPr lang="en-US" dirty="0"/>
+              <a:t> </a:t>
+            </a:r>
+            <a:r>
+              <a:rPr lang="en-US" dirty="0" err="1"/>
+              <a:t>chỉ</a:t>
+            </a:r>
+            <a:r>
+              <a:rPr lang="en-US" dirty="0"/>
+              <a:t> </a:t>
+            </a:r>
+            <a:r>
+              <a:rPr lang="en-US" dirty="0" smtClean="0"/>
+              <a:t>bus</a:t>
+            </a:r>
+          </a:p>
+          <a:p>
+            <a:r>
+              <a:rPr lang="en-US" dirty="0" err="1"/>
+              <a:t>Định</a:t>
+            </a:r>
+            <a:r>
+              <a:rPr lang="en-US" dirty="0"/>
+              <a:t> </a:t>
+            </a:r>
+            <a:r>
+              <a:rPr lang="en-US" dirty="0" err="1"/>
+              <a:t>nghĩa</a:t>
+            </a:r>
+            <a:r>
+              <a:rPr lang="en-US" dirty="0"/>
+              <a:t> </a:t>
+            </a:r>
+            <a:r>
+              <a:rPr lang="en-US" dirty="0" err="1" smtClean="0"/>
+              <a:t>ngắt</a:t>
+            </a:r>
             <a:endParaRPr lang="en-US" dirty="0" smtClean="0"/>
           </a:p>
           <a:p>
             <a:r>
               <a:rPr lang="en-US" dirty="0"/>
-              <a:t>Các </a:t>
+              <a:t>https://</a:t>
+            </a:r>
+            <a:r>
+              <a:rPr lang="en-US" dirty="0" smtClean="0"/>
+              <a:t>events.static.linuxfound.org/sites/events/files/slides/petazzoni-device-tree-dummies.pdf</a:t>
+            </a:r>
+          </a:p>
+          <a:p>
+            <a:r>
+              <a:rPr lang="en-US" dirty="0"/>
+              <a:t>/include/</a:t>
             </a:r>
             <a:r>
               <a:rPr lang="en-US" dirty="0" err="1"/>
-              <a:t>cú</a:t>
+              <a:t>linux</a:t>
             </a:r>
             <a:r>
               <a:rPr lang="en-US" dirty="0"/>
-              <a:t> </a:t>
+              <a:t>/</a:t>
             </a:r>
             <a:r>
               <a:rPr lang="en-US" dirty="0" err="1"/>
-              <a:t>pháp</a:t>
-            </a:r>
-            <a:r>
-              <a:rPr lang="en-US" dirty="0"/>
-              <a:t> </a:t>
-            </a:r>
-            <a:r>
-              <a:rPr lang="en-US" dirty="0" err="1"/>
-              <a:t>tự</a:t>
-            </a:r>
-            <a:r>
-              <a:rPr lang="en-US" dirty="0"/>
-              <a:t> </a:t>
-            </a:r>
-            <a:r>
-              <a:rPr lang="en-US" dirty="0" err="1"/>
-              <a:t>định</a:t>
-            </a:r>
-            <a:r>
-              <a:rPr lang="en-US" dirty="0"/>
-              <a:t> </a:t>
-            </a:r>
-            <a:r>
-              <a:rPr lang="en-US" smtClean="0"/>
-              <a:t>nghĩa</a:t>
-            </a:r>
-            <a:endParaRPr lang="en-US" dirty="0" smtClean="0"/>
+              <a:t>of.h</a:t>
+            </a:r>
+            <a:endParaRPr lang="en-US" dirty="0"/>
           </a:p>
         </p:txBody>
       </p:sp>
@@ -8495,20 +9600,13 @@
     </p:spTree>
     <p:extLst>
       <p:ext uri="{BB962C8B-B14F-4D97-AF65-F5344CB8AC3E}">
-        <p14:creationId xmlns:p14="http://schemas.microsoft.com/office/powerpoint/2010/main" val="2892076268"/>
+        <p14:creationId xmlns:p14="http://schemas.microsoft.com/office/powerpoint/2010/main" val="3126013555"/>
       </p:ext>
     </p:extLst>
   </p:cSld>
   <p:clrMapOvr>
     <a:masterClrMapping/>
   </p:clrMapOvr>
-  <p:timing>
-    <p:tnLst>
-      <p:par>
-        <p:cTn id="1" dur="indefinite" restart="never" nodeType="tmRoot"/>
-      </p:par>
-    </p:tnLst>
-  </p:timing>
 </p:sld>
 </file>
 

--- a/Bai 11/Device tree.pptx
+++ b/Bai 11/Device tree.pptx
@@ -230,7 +230,7 @@
           <a:p>
             <a:fld id="{9DF6B2F8-E390-BD4F-9ACD-789C35D23CE3}" type="datetimeFigureOut">
               <a:rPr lang="en-US" smtClean="0"/>
-              <a:t>8/9/2020</a:t>
+              <a:t>8/10/2020</a:t>
             </a:fld>
             <a:endParaRPr lang="en-US"/>
           </a:p>
@@ -396,7 +396,7 @@
           <a:p>
             <a:fld id="{79FF8F81-D7B9-424E-B993-6D09B3871A4E}" type="datetimeFigureOut">
               <a:rPr lang="en-US" smtClean="0"/>
-              <a:t>8/9/2020</a:t>
+              <a:t>8/10/2020</a:t>
             </a:fld>
             <a:endParaRPr lang="en-US"/>
           </a:p>
@@ -2052,7 +2052,7 @@
           <a:p>
             <a:fld id="{7F3FBE28-58BC-4486-9A8E-6C1F0E326EAB}" type="datetime1">
               <a:rPr lang="en-US" smtClean="0"/>
-              <a:t>8/9/2020</a:t>
+              <a:t>8/10/2020</a:t>
             </a:fld>
             <a:endParaRPr lang="en-US"/>
           </a:p>
@@ -2238,7 +2238,7 @@
           <a:p>
             <a:fld id="{AE5B28C3-1882-4E84-9C82-23BA74B52008}" type="datetime1">
               <a:rPr lang="en-US" smtClean="0"/>
-              <a:t>8/9/2020</a:t>
+              <a:t>8/10/2020</a:t>
             </a:fld>
             <a:endParaRPr lang="en-US"/>
           </a:p>
@@ -2422,7 +2422,7 @@
           <a:p>
             <a:fld id="{945B1917-4DD8-41D3-93A0-974B9DFBBCBF}" type="datetime1">
               <a:rPr lang="en-US" smtClean="0"/>
-              <a:t>8/9/2020</a:t>
+              <a:t>8/10/2020</a:t>
             </a:fld>
             <a:endParaRPr lang="en-US"/>
           </a:p>
@@ -2596,7 +2596,7 @@
           <a:p>
             <a:fld id="{025DB114-CA1C-4405-B4C9-B0D9B62EC79D}" type="datetimeFigureOut">
               <a:rPr lang="en-US" smtClean="0"/>
-              <a:t>8/9/2020</a:t>
+              <a:t>8/10/2020</a:t>
             </a:fld>
             <a:endParaRPr lang="en-US"/>
           </a:p>
@@ -2811,7 +2811,7 @@
           <a:p>
             <a:fld id="{403BB6E5-7AA4-4C0D-BF97-BDC69083DBC9}" type="datetime1">
               <a:rPr lang="en-US" smtClean="0"/>
-              <a:t>8/9/2020</a:t>
+              <a:t>8/10/2020</a:t>
             </a:fld>
             <a:endParaRPr lang="en-US"/>
           </a:p>
@@ -3068,7 +3068,7 @@
           <a:p>
             <a:fld id="{5E5BBB4B-2F94-4F11-9AD4-28D0EBD25231}" type="datetime1">
               <a:rPr lang="en-US" smtClean="0"/>
-              <a:t>8/9/2020</a:t>
+              <a:t>8/10/2020</a:t>
             </a:fld>
             <a:endParaRPr lang="en-US"/>
           </a:p>
@@ -3367,7 +3367,7 @@
           <a:p>
             <a:fld id="{B79A5478-161F-4B28-93E5-DE9BF6B2D5E2}" type="datetime1">
               <a:rPr lang="en-US" smtClean="0"/>
-              <a:t>8/9/2020</a:t>
+              <a:t>8/10/2020</a:t>
             </a:fld>
             <a:endParaRPr lang="en-US"/>
           </a:p>
@@ -3805,7 +3805,7 @@
           <a:p>
             <a:fld id="{30E38055-F1C9-4AC4-B9E3-476EF82AD4CC}" type="datetime1">
               <a:rPr lang="en-US" smtClean="0"/>
-              <a:t>8/9/2020</a:t>
+              <a:t>8/10/2020</a:t>
             </a:fld>
             <a:endParaRPr lang="en-US"/>
           </a:p>
@@ -3934,7 +3934,7 @@
           <a:p>
             <a:fld id="{39D9E8B6-A1D4-4191-8D54-A8260B6A1972}" type="datetime1">
               <a:rPr lang="en-US" smtClean="0"/>
-              <a:t>8/9/2020</a:t>
+              <a:t>8/10/2020</a:t>
             </a:fld>
             <a:endParaRPr lang="en-US"/>
           </a:p>
@@ -4040,7 +4040,7 @@
           <a:p>
             <a:fld id="{924C1980-AF69-46D2-A9FE-14E6E6C939BE}" type="datetime1">
               <a:rPr lang="en-US" smtClean="0"/>
-              <a:t>8/9/2020</a:t>
+              <a:t>8/10/2020</a:t>
             </a:fld>
             <a:endParaRPr lang="en-US"/>
           </a:p>
@@ -4311,7 +4311,7 @@
           <a:p>
             <a:fld id="{AAA33C03-0194-466F-B287-AA772F5566B9}" type="datetime1">
               <a:rPr lang="en-US" smtClean="0"/>
-              <a:t>8/9/2020</a:t>
+              <a:t>8/10/2020</a:t>
             </a:fld>
             <a:endParaRPr lang="en-US"/>
           </a:p>
@@ -4577,7 +4577,7 @@
           <a:p>
             <a:fld id="{D31FF56F-D32E-44F3-A5D6-9F4533FAF9BD}" type="datetime1">
               <a:rPr lang="en-US" smtClean="0"/>
-              <a:t>8/9/2020</a:t>
+              <a:t>8/10/2020</a:t>
             </a:fld>
             <a:endParaRPr lang="en-US"/>
           </a:p>
@@ -4824,7 +4824,7 @@
           <a:p>
             <a:fld id="{0289C729-EC9D-4075-8A00-DCB3B3221814}" type="datetime1">
               <a:rPr lang="en-US" smtClean="0"/>
-              <a:t>8/9/2020</a:t>
+              <a:t>8/10/2020</a:t>
             </a:fld>
             <a:endParaRPr lang="en-US"/>
           </a:p>
@@ -8750,6 +8750,13 @@
   <p:clrMapOvr>
     <a:masterClrMapping/>
   </p:clrMapOvr>
+  <p:timing>
+    <p:tnLst>
+      <p:par>
+        <p:cTn id="1" dur="indefinite" restart="never" nodeType="tmRoot"/>
+      </p:par>
+    </p:tnLst>
+  </p:timing>
 </p:sld>
 </file>
 
@@ -8790,8 +8797,8 @@
               <a:t>Device Tree Basic </a:t>
             </a:r>
             <a:r>
-              <a:rPr lang="en-US" dirty="0" err="1" smtClean="0"/>
-              <a:t>syntaxc</a:t>
+              <a:rPr lang="en-US" dirty="0" smtClean="0"/>
+              <a:t>syntax</a:t>
             </a:r>
             <a:endParaRPr lang="en-US" dirty="0"/>
           </a:p>
@@ -9320,7 +9327,7 @@
               <a:t> </a:t>
             </a:r>
             <a:r>
-              <a:rPr lang="en-US" smtClean="0"/>
+              <a:rPr lang="en-US" dirty="0" err="1" smtClean="0"/>
               <a:t>nghĩa</a:t>
             </a:r>
             <a:endParaRPr lang="en-US" dirty="0" smtClean="0"/>
